--- a/poster (1).pptx
+++ b/poster (1).pptx
@@ -12766,7 +12766,7 @@
         <p:spPr>
           <a:xfrm>
             <a:off x="16960256" y="5157142"/>
-            <a:ext cx="7905750" cy="584775"/>
+            <a:ext cx="7905750" cy="830997"/>
           </a:xfrm>
           <a:prstGeom prst="rect">
             <a:avLst/>
@@ -12781,25 +12781,11 @@
           <a:p>
             <a:pPr algn="ctr"/>
             <a:r>
-              <a:rPr lang="en-US" sz="3200" b="1" dirty="0">
+              <a:rPr lang="en-US" sz="4800" b="1" dirty="0">
                 <a:latin typeface="Times New Roman" panose="02020603050405020304" pitchFamily="18" charset="0"/>
                 <a:cs typeface="Times New Roman" panose="02020603050405020304" pitchFamily="18" charset="0"/>
               </a:rPr>
-              <a:t>Ying </a:t>
-            </a:r>
-            <a:r>
-              <a:rPr lang="en-US" sz="3200" b="1" dirty="0" err="1">
-                <a:latin typeface="Times New Roman" panose="02020603050405020304" pitchFamily="18" charset="0"/>
-                <a:cs typeface="Times New Roman" panose="02020603050405020304" pitchFamily="18" charset="0"/>
-              </a:rPr>
-              <a:t>Cai</a:t>
-            </a:r>
-            <a:r>
-              <a:rPr lang="en-US" sz="3200" b="1" dirty="0">
-                <a:latin typeface="Times New Roman" panose="02020603050405020304" pitchFamily="18" charset="0"/>
-                <a:cs typeface="Times New Roman" panose="02020603050405020304" pitchFamily="18" charset="0"/>
-              </a:rPr>
-              <a:t> and Chong Meng</a:t>
+              <a:t>Ying Cai &amp; Chong Meng</a:t>
             </a:r>
           </a:p>
         </p:txBody>
@@ -13200,7 +13186,7 @@
         </p:grpSp>
         <p:pic>
           <p:nvPicPr>
-            <p:cNvPr id="8" name="Picture 7"/>
+            <p:cNvPr id="3" name="Picture 2"/>
             <p:cNvPicPr>
               <a:picLocks noChangeAspect="1"/>
             </p:cNvPicPr>
@@ -13208,46 +13194,6 @@
           </p:nvPicPr>
           <p:blipFill>
             <a:blip r:embed="rId3">
-              <a:extLst>
-                <a:ext uri="{28A0092B-C50C-407E-A947-70E740481C1C}">
-                  <a14:useLocalDpi xmlns:a14="http://schemas.microsoft.com/office/drawing/2010/main" val="0"/>
-                </a:ext>
-              </a:extLst>
-            </a:blip>
-            <a:stretch>
-              <a:fillRect/>
-            </a:stretch>
-          </p:blipFill>
-          <p:spPr>
-            <a:xfrm>
-              <a:off x="14541097" y="10205886"/>
-              <a:ext cx="4933567" cy="2592879"/>
-            </a:xfrm>
-            <a:prstGeom prst="rect">
-              <a:avLst/>
-            </a:prstGeom>
-            <a:ln>
-              <a:noFill/>
-            </a:ln>
-            <a:effectLst>
-              <a:outerShdw blurRad="292100" dist="139700" dir="2700000" algn="tl" rotWithShape="0">
-                <a:srgbClr val="333333">
-                  <a:alpha val="65000"/>
-                </a:srgbClr>
-              </a:outerShdw>
-            </a:effectLst>
-          </p:spPr>
-        </p:pic>
-        <p:pic>
-          <p:nvPicPr>
-            <p:cNvPr id="3" name="Picture 2"/>
-            <p:cNvPicPr>
-              <a:picLocks noChangeAspect="1"/>
-            </p:cNvPicPr>
-            <p:nvPr/>
-          </p:nvPicPr>
-          <p:blipFill>
-            <a:blip r:embed="rId4">
               <a:extLst>
                 <a:ext uri="{28A0092B-C50C-407E-A947-70E740481C1C}">
                   <a14:useLocalDpi xmlns:a14="http://schemas.microsoft.com/office/drawing/2010/main" val="0"/>
@@ -13277,7 +13223,7 @@
             <p:nvPr/>
           </p:nvPicPr>
           <p:blipFill>
-            <a:blip r:embed="rId5">
+            <a:blip r:embed="rId4">
               <a:extLst>
                 <a:ext uri="{28A0092B-C50C-407E-A947-70E740481C1C}">
                   <a14:useLocalDpi xmlns:a14="http://schemas.microsoft.com/office/drawing/2010/main" val="0"/>
@@ -13307,7 +13253,7 @@
             <p:nvPr/>
           </p:nvPicPr>
           <p:blipFill>
-            <a:blip r:embed="rId6">
+            <a:blip r:embed="rId5">
               <a:extLst>
                 <a:ext uri="{28A0092B-C50C-407E-A947-70E740481C1C}">
                   <a14:useLocalDpi xmlns:a14="http://schemas.microsoft.com/office/drawing/2010/main" val="0"/>
@@ -13948,7 +13894,7 @@
           <p:spPr>
             <a:xfrm>
               <a:off x="458429" y="17273941"/>
-              <a:ext cx="3775587" cy="597309"/>
+              <a:ext cx="6599783" cy="875784"/>
             </a:xfrm>
             <a:prstGeom prst="rect">
               <a:avLst/>
@@ -13983,7 +13929,7 @@
               <a:pPr algn="ctr"/>
               <a:r>
                 <a:rPr lang="en-US" sz="4000" dirty="0"/>
-                <a:t>Discussion</a:t>
+                <a:t>Discussion and Future Work</a:t>
               </a:r>
             </a:p>
           </p:txBody>
@@ -14004,7 +13950,7 @@
           <p:nvPr/>
         </p:nvPicPr>
         <p:blipFill>
-          <a:blip r:embed="rId7">
+          <a:blip r:embed="rId6">
             <a:extLst>
               <a:ext uri="{28A0092B-C50C-407E-A947-70E740481C1C}">
                 <a14:useLocalDpi xmlns:a14="http://schemas.microsoft.com/office/drawing/2010/main" val="0"/>
@@ -14092,7 +14038,7 @@
           <p:nvPr/>
         </p:nvPicPr>
         <p:blipFill>
-          <a:blip r:embed="rId8"/>
+          <a:blip r:embed="rId7"/>
           <a:stretch>
             <a:fillRect/>
           </a:stretch>
@@ -14322,7 +14268,7 @@
         </p:xfrm>
         <a:graphic>
           <a:graphicData uri="http://schemas.openxmlformats.org/drawingml/2006/chart">
-            <c:chart xmlns:c="http://schemas.openxmlformats.org/drawingml/2006/chart" xmlns:r="http://schemas.openxmlformats.org/officeDocument/2006/relationships" r:id="rId9"/>
+            <c:chart xmlns:c="http://schemas.openxmlformats.org/drawingml/2006/chart" xmlns:r="http://schemas.openxmlformats.org/officeDocument/2006/relationships" r:id="rId8"/>
           </a:graphicData>
         </a:graphic>
       </p:graphicFrame>
@@ -14352,7 +14298,7 @@
         </p:xfrm>
         <a:graphic>
           <a:graphicData uri="http://schemas.openxmlformats.org/drawingml/2006/chart">
-            <c:chart xmlns:c="http://schemas.openxmlformats.org/drawingml/2006/chart" xmlns:r="http://schemas.openxmlformats.org/officeDocument/2006/relationships" r:id="rId10"/>
+            <c:chart xmlns:c="http://schemas.openxmlformats.org/drawingml/2006/chart" xmlns:r="http://schemas.openxmlformats.org/officeDocument/2006/relationships" r:id="rId9"/>
           </a:graphicData>
         </a:graphic>
       </p:graphicFrame>
@@ -14427,7 +14373,7 @@
         </p:xfrm>
         <a:graphic>
           <a:graphicData uri="http://schemas.openxmlformats.org/drawingml/2006/chart">
-            <c:chart xmlns:c="http://schemas.openxmlformats.org/drawingml/2006/chart" xmlns:r="http://schemas.openxmlformats.org/officeDocument/2006/relationships" r:id="rId11"/>
+            <c:chart xmlns:c="http://schemas.openxmlformats.org/drawingml/2006/chart" xmlns:r="http://schemas.openxmlformats.org/officeDocument/2006/relationships" r:id="rId10"/>
           </a:graphicData>
         </a:graphic>
       </p:graphicFrame>
@@ -14457,7 +14403,7 @@
         </p:xfrm>
         <a:graphic>
           <a:graphicData uri="http://schemas.openxmlformats.org/drawingml/2006/chart">
-            <c:chart xmlns:c="http://schemas.openxmlformats.org/drawingml/2006/chart" xmlns:r="http://schemas.openxmlformats.org/officeDocument/2006/relationships" r:id="rId12"/>
+            <c:chart xmlns:c="http://schemas.openxmlformats.org/drawingml/2006/chart" xmlns:r="http://schemas.openxmlformats.org/officeDocument/2006/relationships" r:id="rId11"/>
           </a:graphicData>
         </a:graphic>
       </p:graphicFrame>
@@ -14487,7 +14433,7 @@
         </p:xfrm>
         <a:graphic>
           <a:graphicData uri="http://schemas.openxmlformats.org/drawingml/2006/chart">
-            <c:chart xmlns:c="http://schemas.openxmlformats.org/drawingml/2006/chart" xmlns:r="http://schemas.openxmlformats.org/officeDocument/2006/relationships" r:id="rId13"/>
+            <c:chart xmlns:c="http://schemas.openxmlformats.org/drawingml/2006/chart" xmlns:r="http://schemas.openxmlformats.org/officeDocument/2006/relationships" r:id="rId12"/>
           </a:graphicData>
         </a:graphic>
       </p:graphicFrame>
@@ -14517,7 +14463,7 @@
         </p:xfrm>
         <a:graphic>
           <a:graphicData uri="http://schemas.openxmlformats.org/drawingml/2006/chart">
-            <c:chart xmlns:c="http://schemas.openxmlformats.org/drawingml/2006/chart" xmlns:r="http://schemas.openxmlformats.org/officeDocument/2006/relationships" r:id="rId14"/>
+            <c:chart xmlns:c="http://schemas.openxmlformats.org/drawingml/2006/chart" xmlns:r="http://schemas.openxmlformats.org/officeDocument/2006/relationships" r:id="rId13"/>
           </a:graphicData>
         </a:graphic>
       </p:graphicFrame>
@@ -14547,7 +14493,7 @@
         </p:xfrm>
         <a:graphic>
           <a:graphicData uri="http://schemas.openxmlformats.org/drawingml/2006/chart">
-            <c:chart xmlns:c="http://schemas.openxmlformats.org/drawingml/2006/chart" xmlns:r="http://schemas.openxmlformats.org/officeDocument/2006/relationships" r:id="rId15"/>
+            <c:chart xmlns:c="http://schemas.openxmlformats.org/drawingml/2006/chart" xmlns:r="http://schemas.openxmlformats.org/officeDocument/2006/relationships" r:id="rId14"/>
           </a:graphicData>
         </a:graphic>
       </p:graphicFrame>
@@ -14577,7 +14523,7 @@
         </p:xfrm>
         <a:graphic>
           <a:graphicData uri="http://schemas.openxmlformats.org/drawingml/2006/chart">
-            <c:chart xmlns:c="http://schemas.openxmlformats.org/drawingml/2006/chart" xmlns:r="http://schemas.openxmlformats.org/officeDocument/2006/relationships" r:id="rId16"/>
+            <c:chart xmlns:c="http://schemas.openxmlformats.org/drawingml/2006/chart" xmlns:r="http://schemas.openxmlformats.org/officeDocument/2006/relationships" r:id="rId15"/>
           </a:graphicData>
         </a:graphic>
       </p:graphicFrame>

--- a/poster (1).pptx
+++ b/poster (1).pptx
@@ -12319,9 +12319,9 @@
         <p:grpSpPr>
           <a:xfrm>
             <a:off x="503482" y="6949007"/>
-            <a:ext cx="13037738" cy="8088345"/>
+            <a:ext cx="13037738" cy="7553561"/>
             <a:chOff x="118069" y="7765023"/>
-            <a:chExt cx="13037738" cy="5288815"/>
+            <a:chExt cx="13037738" cy="4939130"/>
           </a:xfrm>
         </p:grpSpPr>
         <p:sp>
@@ -12333,7 +12333,7 @@
           <p:spPr>
             <a:xfrm>
               <a:off x="118069" y="7765023"/>
-              <a:ext cx="13037738" cy="5288815"/>
+              <a:ext cx="13037738" cy="4939130"/>
             </a:xfrm>
             <a:custGeom>
               <a:avLst/>
@@ -12648,7 +12648,7 @@
           <p:spPr>
             <a:xfrm>
               <a:off x="4622774" y="7774391"/>
-              <a:ext cx="8466863" cy="4937207"/>
+              <a:ext cx="8466863" cy="4568358"/>
             </a:xfrm>
             <a:prstGeom prst="rect">
               <a:avLst/>
@@ -12677,21 +12677,23 @@
               </a:r>
             </a:p>
             <a:p>
+              <a:pPr marL="457200" indent="-457200">
+                <a:buFont typeface="Wingdings" panose="05000000000000000000" pitchFamily="2" charset="2"/>
+                <a:buChar char="q"/>
+              </a:pPr>
               <a:r>
                 <a:rPr lang="en-US" sz="3200" dirty="0">
                   <a:latin typeface="Times New Roman" panose="02020603050405020304" pitchFamily="18" charset="0"/>
                   <a:cs typeface="Times New Roman" panose="02020603050405020304" pitchFamily="18" charset="0"/>
                 </a:rPr>
-                <a:t>	The main goal of our project is to build a movie recommendation system based on movies’ content.  </a:t>
+                <a:t>The main goal of our project is to build a movie recommendation system based on movies’ content.  </a:t>
               </a:r>
             </a:p>
             <a:p>
-              <a:endParaRPr lang="en-US" sz="3200" dirty="0">
-                <a:latin typeface="Times New Roman" panose="02020603050405020304" pitchFamily="18" charset="0"/>
-                <a:cs typeface="Times New Roman" panose="02020603050405020304" pitchFamily="18" charset="0"/>
-              </a:endParaRPr>
-            </a:p>
-            <a:p>
+              <a:pPr marL="457200" indent="-457200">
+                <a:buFont typeface="Wingdings" panose="05000000000000000000" pitchFamily="2" charset="2"/>
+                <a:buChar char="q"/>
+              </a:pPr>
               <a:r>
                 <a:rPr lang="en-US" sz="3200" dirty="0">
                   <a:latin typeface="Times New Roman" panose="02020603050405020304" pitchFamily="18" charset="0"/>
@@ -12719,12 +12721,10 @@
               </a:r>
             </a:p>
             <a:p>
-              <a:endParaRPr lang="en-US" sz="3200" dirty="0">
-                <a:latin typeface="Times New Roman" panose="02020603050405020304" pitchFamily="18" charset="0"/>
-                <a:cs typeface="Times New Roman" panose="02020603050405020304" pitchFamily="18" charset="0"/>
-              </a:endParaRPr>
-            </a:p>
-            <a:p>
+              <a:pPr marL="457200" indent="-457200">
+                <a:buFont typeface="Wingdings" panose="05000000000000000000" pitchFamily="2" charset="2"/>
+                <a:buChar char="q"/>
+              </a:pPr>
               <a:r>
                 <a:rPr lang="en-US" sz="3200" dirty="0">
                   <a:latin typeface="Times New Roman" panose="02020603050405020304" pitchFamily="18" charset="0"/>
@@ -12798,10 +12798,10 @@
         </p:nvGrpSpPr>
         <p:grpSpPr>
           <a:xfrm>
-            <a:off x="503482" y="15354056"/>
-            <a:ext cx="13037738" cy="10094969"/>
-            <a:chOff x="13716000" y="6950892"/>
-            <a:chExt cx="13037738" cy="10094969"/>
+            <a:off x="503482" y="14686306"/>
+            <a:ext cx="13037738" cy="10983126"/>
+            <a:chOff x="13716000" y="6283142"/>
+            <a:chExt cx="13037738" cy="10983126"/>
           </a:xfrm>
         </p:grpSpPr>
         <p:grpSp>
@@ -12812,10 +12812,10 @@
           </p:nvGrpSpPr>
           <p:grpSpPr>
             <a:xfrm>
-              <a:off x="13716000" y="6950892"/>
-              <a:ext cx="13037738" cy="10094969"/>
-              <a:chOff x="14394262" y="7938167"/>
-              <a:chExt cx="13037738" cy="10094969"/>
+              <a:off x="13716000" y="6283142"/>
+              <a:ext cx="13037738" cy="10983126"/>
+              <a:chOff x="14394262" y="7270417"/>
+              <a:chExt cx="13037738" cy="10983126"/>
             </a:xfrm>
           </p:grpSpPr>
           <p:sp>
@@ -12826,8 +12826,8 @@
             </p:nvSpPr>
             <p:spPr>
               <a:xfrm>
-                <a:off x="14394262" y="7938167"/>
-                <a:ext cx="13037738" cy="10094969"/>
+                <a:off x="14394262" y="7270417"/>
+                <a:ext cx="13037738" cy="10983126"/>
               </a:xfrm>
               <a:custGeom>
                 <a:avLst/>
@@ -13110,7 +13110,7 @@
             </p:nvSpPr>
             <p:spPr>
               <a:xfrm>
-                <a:off x="15017108" y="7947152"/>
+                <a:off x="14925122" y="7310227"/>
                 <a:ext cx="9979822" cy="693242"/>
               </a:xfrm>
               <a:prstGeom prst="rect">
@@ -13159,7 +13159,7 @@
             </p:nvSpPr>
             <p:spPr>
               <a:xfrm>
-                <a:off x="14494529" y="8676721"/>
+                <a:off x="14461205" y="8296362"/>
                 <a:ext cx="12937471" cy="2062103"/>
               </a:xfrm>
               <a:prstGeom prst="rect">
@@ -13206,8 +13206,8 @@
           </p:blipFill>
           <p:spPr>
             <a:xfrm>
-              <a:off x="20165892" y="13275379"/>
-              <a:ext cx="5525478" cy="3705439"/>
+              <a:off x="20243023" y="12924290"/>
+              <a:ext cx="5948097" cy="3988851"/>
             </a:xfrm>
             <a:prstGeom prst="rect">
               <a:avLst/>
@@ -13236,8 +13236,8 @@
           </p:blipFill>
           <p:spPr>
             <a:xfrm>
-              <a:off x="14422841" y="13241581"/>
-              <a:ext cx="5170078" cy="3785462"/>
+              <a:off x="14231498" y="12937904"/>
+              <a:ext cx="5584832" cy="4089139"/>
             </a:xfrm>
             <a:prstGeom prst="rect">
               <a:avLst/>
@@ -13266,8 +13266,8 @@
           </p:blipFill>
           <p:spPr>
             <a:xfrm>
-              <a:off x="20688923" y="10085023"/>
-              <a:ext cx="4850556" cy="2936378"/>
+              <a:off x="20779423" y="9620319"/>
+              <a:ext cx="5411697" cy="3276076"/>
             </a:xfrm>
             <a:prstGeom prst="rect">
               <a:avLst/>
@@ -13613,8 +13613,8 @@
         </p:nvGrpSpPr>
         <p:grpSpPr>
           <a:xfrm>
-            <a:off x="14006285" y="28684380"/>
-            <a:ext cx="13037738" cy="7146995"/>
+            <a:off x="14006285" y="28297770"/>
+            <a:ext cx="13037738" cy="7883211"/>
             <a:chOff x="0" y="17249431"/>
             <a:chExt cx="13037738" cy="7146995"/>
           </a:xfrm>
@@ -13881,7 +13881,7 @@
             <a:lstStyle/>
             <a:p>
               <a:pPr algn="ctr"/>
-              <a:endParaRPr lang="en-US"/>
+              <a:endParaRPr lang="en-US" dirty="0"/>
             </a:p>
           </p:txBody>
         </p:sp>
@@ -13894,7 +13894,7 @@
           <p:spPr>
             <a:xfrm>
               <a:off x="458429" y="17273941"/>
-              <a:ext cx="6599783" cy="875784"/>
+              <a:ext cx="6599783" cy="640911"/>
             </a:xfrm>
             <a:prstGeom prst="rect">
               <a:avLst/>
@@ -13950,7 +13950,7 @@
           <p:nvPr/>
         </p:nvPicPr>
         <p:blipFill>
-          <a:blip r:embed="rId6">
+          <a:blip r:embed="rId6" cstate="print">
             <a:extLst>
               <a:ext uri="{28A0092B-C50C-407E-A947-70E740481C1C}">
                 <a14:useLocalDpi xmlns:a14="http://schemas.microsoft.com/office/drawing/2010/main" val="0"/>
@@ -13963,8 +13963,8 @@
         </p:blipFill>
         <p:spPr>
           <a:xfrm>
-            <a:off x="1199284" y="9006014"/>
-            <a:ext cx="3419858" cy="4436234"/>
+            <a:off x="1210323" y="8157793"/>
+            <a:ext cx="3159906" cy="4099025"/>
           </a:xfrm>
           <a:prstGeom prst="rect">
             <a:avLst/>
@@ -13999,6 +13999,10 @@
           </a:bodyPr>
           <a:lstStyle/>
           <a:p>
+            <a:pPr marL="457200" indent="-457200">
+              <a:buFont typeface="Wingdings" panose="05000000000000000000" pitchFamily="2" charset="2"/>
+              <a:buChar char="q"/>
+            </a:pPr>
             <a:r>
               <a:rPr lang="en-US" sz="3200" dirty="0">
                 <a:latin typeface="Times New Roman" panose="02020603050405020304" pitchFamily="18" charset="0"/>
@@ -14018,7 +14022,7 @@
                 <a:latin typeface="Times New Roman" panose="02020603050405020304" pitchFamily="18" charset="0"/>
                 <a:cs typeface="Times New Roman" panose="02020603050405020304" pitchFamily="18" charset="0"/>
               </a:rPr>
-              <a:t> is a measure of similarity between two non-zero vectors of an inner product space that measures the cosine of the angle between them.” “ It is a judgment of orientation.”</a:t>
+              <a:t> is a measure of similarity between two non-zero vectors of an inner product space that measures the cosine of the angle between them.” “ It is a judgment of orientation.”*</a:t>
             </a:r>
           </a:p>
         </p:txBody>
@@ -14081,6 +14085,10 @@
           </a:bodyPr>
           <a:lstStyle/>
           <a:p>
+            <a:pPr marL="457200" indent="-457200">
+              <a:buFont typeface="Wingdings" panose="05000000000000000000" pitchFamily="2" charset="2"/>
+              <a:buChar char="q"/>
+            </a:pPr>
             <a:r>
               <a:rPr lang="en-US" sz="3200" b="1" dirty="0">
                 <a:latin typeface="Times New Roman" panose="02020603050405020304" pitchFamily="18" charset="0"/>
@@ -14093,7 +14101,7 @@
                 <a:latin typeface="Times New Roman" panose="02020603050405020304" pitchFamily="18" charset="0"/>
                 <a:cs typeface="Times New Roman" panose="02020603050405020304" pitchFamily="18" charset="0"/>
               </a:rPr>
-              <a:t>It is “a non-parametric method used for classification and regression. The “input consists of the k closest training examples in the feature space.”</a:t>
+              <a:t>It is “a non-parametric method used for classification and regression. The “input consists of the k closest training examples in the feature space.”*</a:t>
             </a:r>
           </a:p>
         </p:txBody>
@@ -14113,7 +14121,7 @@
         <p:spPr>
           <a:xfrm>
             <a:off x="570425" y="31742657"/>
-            <a:ext cx="7093545" cy="584775"/>
+            <a:ext cx="7555210" cy="584775"/>
           </a:xfrm>
           <a:prstGeom prst="rect">
             <a:avLst/>
@@ -14126,6 +14134,10 @@
           </a:bodyPr>
           <a:lstStyle/>
           <a:p>
+            <a:pPr marL="457200" indent="-457200">
+              <a:buFont typeface="Wingdings" panose="05000000000000000000" pitchFamily="2" charset="2"/>
+              <a:buChar char="q"/>
+            </a:pPr>
             <a:r>
               <a:rPr lang="en-US" sz="3200" b="1" dirty="0">
                 <a:latin typeface="Times New Roman" panose="02020603050405020304" pitchFamily="18" charset="0"/>
@@ -14182,6 +14194,10 @@
           </a:bodyPr>
           <a:lstStyle/>
           <a:p>
+            <a:pPr marL="457200" indent="-457200">
+              <a:buFont typeface="Wingdings" panose="05000000000000000000" pitchFamily="2" charset="2"/>
+              <a:buChar char="q"/>
+            </a:pPr>
             <a:r>
               <a:rPr lang="en-US" sz="3200" b="1" dirty="0">
                 <a:latin typeface="Times New Roman" panose="02020603050405020304" pitchFamily="18" charset="0"/>
@@ -14194,7 +14210,7 @@
                 <a:latin typeface="Times New Roman" panose="02020603050405020304" pitchFamily="18" charset="0"/>
                 <a:cs typeface="Times New Roman" panose="02020603050405020304" pitchFamily="18" charset="0"/>
               </a:rPr>
-              <a:t>Precision (also called positive predictive value) is the fraction of relevant instances among the retrieved instances, while recall (also known as sensitivity) is the fraction of relevant instances that have been retrieved over the total amount of relevant instances.”</a:t>
+              <a:t>Precision (also called positive predictive value) is the fraction of relevant instances among the retrieved instances, while recall (also known as sensitivity) is the fraction of relevant instances that have been retrieved over the total amount of relevant instances.”*</a:t>
             </a:r>
           </a:p>
         </p:txBody>
@@ -14227,6 +14243,10 @@
           </a:bodyPr>
           <a:lstStyle/>
           <a:p>
+            <a:pPr marL="457200" indent="-457200">
+              <a:buFont typeface="Wingdings" panose="05000000000000000000" pitchFamily="2" charset="2"/>
+              <a:buChar char="q"/>
+            </a:pPr>
             <a:r>
               <a:rPr lang="en-US" sz="3200" b="1" i="1" dirty="0"/>
               <a:t>Part A</a:t>
@@ -14330,6 +14350,10 @@
           </a:bodyPr>
           <a:lstStyle/>
           <a:p>
+            <a:pPr marL="457200" indent="-457200">
+              <a:buFont typeface="Wingdings" panose="05000000000000000000" pitchFamily="2" charset="2"/>
+              <a:buChar char="q"/>
+            </a:pPr>
             <a:r>
               <a:rPr lang="en-US" sz="3200" b="1" i="1" dirty="0"/>
               <a:t>Part B. </a:t>
@@ -14482,14 +14506,14 @@
           <p:nvPr>
             <p:extLst>
               <p:ext uri="{D42A27DB-BD31-4B8C-83A1-F6EECF244321}">
-                <p14:modId xmlns:p14="http://schemas.microsoft.com/office/powerpoint/2010/main" val="2436649480"/>
+                <p14:modId xmlns:p14="http://schemas.microsoft.com/office/powerpoint/2010/main" val="2622599199"/>
               </p:ext>
             </p:extLst>
           </p:nvPr>
         </p:nvGraphicFramePr>
         <p:xfrm>
-          <a:off x="15302984" y="22086180"/>
-          <a:ext cx="4572000" cy="2743200"/>
+          <a:off x="14687550" y="22086179"/>
+          <a:ext cx="5187434" cy="3344027"/>
         </p:xfrm>
         <a:graphic>
           <a:graphicData uri="http://schemas.openxmlformats.org/drawingml/2006/chart">
@@ -14512,14 +14536,14 @@
           <p:nvPr>
             <p:extLst>
               <p:ext uri="{D42A27DB-BD31-4B8C-83A1-F6EECF244321}">
-                <p14:modId xmlns:p14="http://schemas.microsoft.com/office/powerpoint/2010/main" val="849867878"/>
+                <p14:modId xmlns:p14="http://schemas.microsoft.com/office/powerpoint/2010/main" val="332658881"/>
               </p:ext>
             </p:extLst>
           </p:nvPr>
         </p:nvGraphicFramePr>
         <p:xfrm>
-          <a:off x="20493915" y="22086180"/>
-          <a:ext cx="4572000" cy="2743200"/>
+          <a:off x="20493914" y="22086179"/>
+          <a:ext cx="5509335" cy="3230125"/>
         </p:xfrm>
         <a:graphic>
           <a:graphicData uri="http://schemas.openxmlformats.org/drawingml/2006/chart">
@@ -14527,6 +14551,193 @@
           </a:graphicData>
         </a:graphic>
       </p:graphicFrame>
+      <p:sp>
+        <p:nvSpPr>
+          <p:cNvPr id="53" name="TextBox 52">
+            <a:extLst>
+              <a:ext uri="{FF2B5EF4-FFF2-40B4-BE49-F238E27FC236}">
+                <a16:creationId xmlns:a16="http://schemas.microsoft.com/office/drawing/2014/main" id="{92DA5376-C1C8-46E5-BF40-7E90F02F3A11}"/>
+              </a:ext>
+            </a:extLst>
+          </p:cNvPr>
+          <p:cNvSpPr txBox="1"/>
+          <p:nvPr/>
+        </p:nvSpPr>
+        <p:spPr>
+          <a:xfrm>
+            <a:off x="14006285" y="29296956"/>
+            <a:ext cx="12994241" cy="2554545"/>
+          </a:xfrm>
+          <a:prstGeom prst="rect">
+            <a:avLst/>
+          </a:prstGeom>
+          <a:noFill/>
+        </p:spPr>
+        <p:txBody>
+          <a:bodyPr wrap="square" rtlCol="0">
+            <a:spAutoFit/>
+          </a:bodyPr>
+          <a:lstStyle/>
+          <a:p>
+            <a:pPr marL="457200" indent="-457200">
+              <a:buFont typeface="Wingdings" panose="05000000000000000000" pitchFamily="2" charset="2"/>
+              <a:buChar char="q"/>
+            </a:pPr>
+            <a:r>
+              <a:rPr lang="en-US" sz="3200" dirty="0">
+                <a:latin typeface="Times New Roman" panose="02020603050405020304" pitchFamily="18" charset="0"/>
+                <a:cs typeface="Times New Roman" panose="02020603050405020304" pitchFamily="18" charset="0"/>
+              </a:rPr>
+              <a:t>Popularity is important for this recommender system.</a:t>
+            </a:r>
+          </a:p>
+          <a:p>
+            <a:pPr marL="457200" indent="-457200">
+              <a:buFont typeface="Wingdings" panose="05000000000000000000" pitchFamily="2" charset="2"/>
+              <a:buChar char="q"/>
+            </a:pPr>
+            <a:r>
+              <a:rPr lang="en-US" sz="3200" dirty="0">
+                <a:latin typeface="Times New Roman" panose="02020603050405020304" pitchFamily="18" charset="0"/>
+                <a:cs typeface="Times New Roman" panose="02020603050405020304" pitchFamily="18" charset="0"/>
+              </a:rPr>
+              <a:t>The major purpose of Experiment A is finding potential audiences, thus the poor precision is not so unacceptable. Advertiser may prefer a higher recall. We now only have movie genre feature, more features are needed to further distinguish similarity and improve our model.  </a:t>
+            </a:r>
+          </a:p>
+        </p:txBody>
+      </p:sp>
+      <p:sp>
+        <p:nvSpPr>
+          <p:cNvPr id="54" name="TextBox 53">
+            <a:extLst>
+              <a:ext uri="{FF2B5EF4-FFF2-40B4-BE49-F238E27FC236}">
+                <a16:creationId xmlns:a16="http://schemas.microsoft.com/office/drawing/2014/main" id="{871A7E4D-6340-47E6-A6A0-C89135731061}"/>
+              </a:ext>
+            </a:extLst>
+          </p:cNvPr>
+          <p:cNvSpPr txBox="1"/>
+          <p:nvPr/>
+        </p:nvSpPr>
+        <p:spPr>
+          <a:xfrm>
+            <a:off x="707085" y="35197302"/>
+            <a:ext cx="3169650" cy="584775"/>
+          </a:xfrm>
+          <a:prstGeom prst="rect">
+            <a:avLst/>
+          </a:prstGeom>
+          <a:noFill/>
+        </p:spPr>
+        <p:txBody>
+          <a:bodyPr wrap="none" rtlCol="0">
+            <a:spAutoFit/>
+          </a:bodyPr>
+          <a:lstStyle/>
+          <a:p>
+            <a:r>
+              <a:rPr lang="en-US" sz="3200" dirty="0">
+                <a:latin typeface="Times New Roman" panose="02020603050405020304" pitchFamily="18" charset="0"/>
+                <a:cs typeface="Times New Roman" panose="02020603050405020304" pitchFamily="18" charset="0"/>
+              </a:rPr>
+              <a:t>* From Wikipedia</a:t>
+            </a:r>
+          </a:p>
+        </p:txBody>
+      </p:sp>
+      <p:pic>
+        <p:nvPicPr>
+          <p:cNvPr id="8" name="Picture 7">
+            <a:extLst>
+              <a:ext uri="{FF2B5EF4-FFF2-40B4-BE49-F238E27FC236}">
+                <a16:creationId xmlns:a16="http://schemas.microsoft.com/office/drawing/2014/main" id="{BE0EF56E-70C3-46E6-B05C-FE1CACEE5CD9}"/>
+              </a:ext>
+            </a:extLst>
+          </p:cNvPr>
+          <p:cNvPicPr>
+            <a:picLocks noChangeAspect="1"/>
+          </p:cNvPicPr>
+          <p:nvPr/>
+        </p:nvPicPr>
+        <p:blipFill>
+          <a:blip r:embed="rId16" cstate="print">
+            <a:extLst>
+              <a:ext uri="{28A0092B-C50C-407E-A947-70E740481C1C}">
+                <a14:useLocalDpi xmlns:a14="http://schemas.microsoft.com/office/drawing/2010/main" val="0"/>
+              </a:ext>
+            </a:extLst>
+          </a:blip>
+          <a:stretch>
+            <a:fillRect/>
+          </a:stretch>
+        </p:blipFill>
+        <p:spPr>
+          <a:xfrm>
+            <a:off x="22842821" y="31695894"/>
+            <a:ext cx="3993956" cy="3827541"/>
+          </a:xfrm>
+          <a:prstGeom prst="rect">
+            <a:avLst/>
+          </a:prstGeom>
+        </p:spPr>
+      </p:pic>
+      <p:sp>
+        <p:nvSpPr>
+          <p:cNvPr id="22" name="TextBox 21">
+            <a:extLst>
+              <a:ext uri="{FF2B5EF4-FFF2-40B4-BE49-F238E27FC236}">
+                <a16:creationId xmlns:a16="http://schemas.microsoft.com/office/drawing/2014/main" id="{773FCF21-0515-4D3E-9A54-1C3D593F54AD}"/>
+              </a:ext>
+            </a:extLst>
+          </p:cNvPr>
+          <p:cNvSpPr txBox="1"/>
+          <p:nvPr/>
+        </p:nvSpPr>
+        <p:spPr>
+          <a:xfrm>
+            <a:off x="14006285" y="31695894"/>
+            <a:ext cx="9007903" cy="4308872"/>
+          </a:xfrm>
+          <a:prstGeom prst="rect">
+            <a:avLst/>
+          </a:prstGeom>
+          <a:noFill/>
+        </p:spPr>
+        <p:txBody>
+          <a:bodyPr wrap="square" rtlCol="0">
+            <a:spAutoFit/>
+          </a:bodyPr>
+          <a:lstStyle/>
+          <a:p>
+            <a:pPr marL="457200" indent="-457200">
+              <a:buFont typeface="Wingdings" panose="05000000000000000000" pitchFamily="2" charset="2"/>
+              <a:buChar char="q"/>
+            </a:pPr>
+            <a:r>
+              <a:rPr lang="en-US" sz="3200" dirty="0">
+                <a:latin typeface="Times New Roman" panose="02020603050405020304" pitchFamily="18" charset="0"/>
+                <a:cs typeface="Times New Roman" panose="02020603050405020304" pitchFamily="18" charset="0"/>
+              </a:rPr>
+              <a:t>Some users have very short watching lists. Some movies have very few watchers. Both distributions have long tails. This can partially explain our big standard errors.</a:t>
+            </a:r>
+          </a:p>
+          <a:p>
+            <a:pPr marL="457200" indent="-457200">
+              <a:buFont typeface="Wingdings" panose="05000000000000000000" pitchFamily="2" charset="2"/>
+              <a:buChar char="q"/>
+            </a:pPr>
+            <a:r>
+              <a:rPr lang="en-US" sz="3200" dirty="0">
+                <a:latin typeface="Times New Roman" panose="02020603050405020304" pitchFamily="18" charset="0"/>
+                <a:cs typeface="Times New Roman" panose="02020603050405020304" pitchFamily="18" charset="0"/>
+              </a:rPr>
+              <a:t>We tried the collaborative filtering recommender system which is based on user-user similarity. The computational cost is so huge that we are still working to find an efficient way to generate a list.</a:t>
+            </a:r>
+          </a:p>
+          <a:p>
+            <a:endParaRPr lang="en-US" dirty="0"/>
+          </a:p>
+        </p:txBody>
+      </p:sp>
     </p:spTree>
     <p:extLst>
       <p:ext uri="{BB962C8B-B14F-4D97-AF65-F5344CB8AC3E}">

--- a/poster (1).pptx
+++ b/poster (1).pptx
@@ -4,8 +4,12 @@
   <p:sldMasterIdLst>
     <p:sldMasterId id="2147483660" r:id="rId1"/>
   </p:sldMasterIdLst>
+  <p:notesMasterIdLst>
+    <p:notesMasterId r:id="rId4"/>
+  </p:notesMasterIdLst>
   <p:sldIdLst>
     <p:sldId id="256" r:id="rId2"/>
+    <p:sldId id="257" r:id="rId3"/>
   </p:sldIdLst>
   <p:sldSz cx="27432000" cy="36576000"/>
   <p:notesSz cx="6858000" cy="9144000"/>
@@ -1901,9 +1905,9 @@
               </a:defRPr>
             </a:pPr>
             <a:r>
-              <a:rPr lang="en-US"/>
+              <a:rPr lang="en-US" dirty="0"/>
               <a:t>Recall
-Rating &gt; mean+(max-mean)/2, Cosin(0.02)</a:t>
+Rating &gt; mean+(max-mean)/2, Cosine(0.02)</a:t>
             </a:r>
           </a:p>
         </c:rich>
@@ -8903,6 +8907,439 @@
 </cs:chartStyle>
 </file>
 
+<file path=ppt/notesMasters/notesMaster1.xml><?xml version="1.0" encoding="utf-8"?>
+<p:notesMaster xmlns:a="http://schemas.openxmlformats.org/drawingml/2006/main" xmlns:r="http://schemas.openxmlformats.org/officeDocument/2006/relationships" xmlns:p="http://schemas.openxmlformats.org/presentationml/2006/main">
+  <p:cSld>
+    <p:bg>
+      <p:bgRef idx="1001">
+        <a:schemeClr val="bg1"/>
+      </p:bgRef>
+    </p:bg>
+    <p:spTree>
+      <p:nvGrpSpPr>
+        <p:cNvPr id="1" name=""/>
+        <p:cNvGrpSpPr/>
+        <p:nvPr/>
+      </p:nvGrpSpPr>
+      <p:grpSpPr>
+        <a:xfrm>
+          <a:off x="0" y="0"/>
+          <a:ext cx="0" cy="0"/>
+          <a:chOff x="0" y="0"/>
+          <a:chExt cx="0" cy="0"/>
+        </a:xfrm>
+      </p:grpSpPr>
+      <p:sp>
+        <p:nvSpPr>
+          <p:cNvPr id="2" name="Header Placeholder 1"/>
+          <p:cNvSpPr>
+            <a:spLocks noGrp="1"/>
+          </p:cNvSpPr>
+          <p:nvPr>
+            <p:ph type="hdr" sz="quarter"/>
+          </p:nvPr>
+        </p:nvSpPr>
+        <p:spPr>
+          <a:xfrm>
+            <a:off x="0" y="0"/>
+            <a:ext cx="2971800" cy="458788"/>
+          </a:xfrm>
+          <a:prstGeom prst="rect">
+            <a:avLst/>
+          </a:prstGeom>
+        </p:spPr>
+        <p:txBody>
+          <a:bodyPr vert="horz" lIns="91440" tIns="45720" rIns="91440" bIns="45720" rtlCol="0"/>
+          <a:lstStyle>
+            <a:lvl1pPr algn="l">
+              <a:defRPr sz="1200"/>
+            </a:lvl1pPr>
+          </a:lstStyle>
+          <a:p>
+            <a:endParaRPr lang="en-US"/>
+          </a:p>
+        </p:txBody>
+      </p:sp>
+      <p:sp>
+        <p:nvSpPr>
+          <p:cNvPr id="3" name="Date Placeholder 2"/>
+          <p:cNvSpPr>
+            <a:spLocks noGrp="1"/>
+          </p:cNvSpPr>
+          <p:nvPr>
+            <p:ph type="dt" idx="1"/>
+          </p:nvPr>
+        </p:nvSpPr>
+        <p:spPr>
+          <a:xfrm>
+            <a:off x="3884613" y="0"/>
+            <a:ext cx="2971800" cy="458788"/>
+          </a:xfrm>
+          <a:prstGeom prst="rect">
+            <a:avLst/>
+          </a:prstGeom>
+        </p:spPr>
+        <p:txBody>
+          <a:bodyPr vert="horz" lIns="91440" tIns="45720" rIns="91440" bIns="45720" rtlCol="0"/>
+          <a:lstStyle>
+            <a:lvl1pPr algn="r">
+              <a:defRPr sz="1200"/>
+            </a:lvl1pPr>
+          </a:lstStyle>
+          <a:p>
+            <a:fld id="{A444A387-E9F5-42F7-8AA7-95C52D701D44}" type="datetimeFigureOut">
+              <a:rPr lang="en-US" smtClean="0"/>
+              <a:t>12/8/2018</a:t>
+            </a:fld>
+            <a:endParaRPr lang="en-US"/>
+          </a:p>
+        </p:txBody>
+      </p:sp>
+      <p:sp>
+        <p:nvSpPr>
+          <p:cNvPr id="4" name="Slide Image Placeholder 3"/>
+          <p:cNvSpPr>
+            <a:spLocks noGrp="1" noRot="1" noChangeAspect="1"/>
+          </p:cNvSpPr>
+          <p:nvPr>
+            <p:ph type="sldImg" idx="2"/>
+          </p:nvPr>
+        </p:nvSpPr>
+        <p:spPr>
+          <a:xfrm>
+            <a:off x="2271713" y="1143000"/>
+            <a:ext cx="2314575" cy="3086100"/>
+          </a:xfrm>
+          <a:prstGeom prst="rect">
+            <a:avLst/>
+          </a:prstGeom>
+          <a:noFill/>
+          <a:ln w="12700">
+            <a:solidFill>
+              <a:prstClr val="black"/>
+            </a:solidFill>
+          </a:ln>
+        </p:spPr>
+        <p:txBody>
+          <a:bodyPr vert="horz" lIns="91440" tIns="45720" rIns="91440" bIns="45720" rtlCol="0" anchor="ctr"/>
+          <a:lstStyle/>
+          <a:p>
+            <a:endParaRPr lang="en-US"/>
+          </a:p>
+        </p:txBody>
+      </p:sp>
+      <p:sp>
+        <p:nvSpPr>
+          <p:cNvPr id="5" name="Notes Placeholder 4"/>
+          <p:cNvSpPr>
+            <a:spLocks noGrp="1"/>
+          </p:cNvSpPr>
+          <p:nvPr>
+            <p:ph type="body" sz="quarter" idx="3"/>
+          </p:nvPr>
+        </p:nvSpPr>
+        <p:spPr>
+          <a:xfrm>
+            <a:off x="685800" y="4400550"/>
+            <a:ext cx="5486400" cy="3600450"/>
+          </a:xfrm>
+          <a:prstGeom prst="rect">
+            <a:avLst/>
+          </a:prstGeom>
+        </p:spPr>
+        <p:txBody>
+          <a:bodyPr vert="horz" lIns="91440" tIns="45720" rIns="91440" bIns="45720" rtlCol="0"/>
+          <a:lstStyle/>
+          <a:p>
+            <a:pPr lvl="0"/>
+            <a:r>
+              <a:rPr lang="en-US"/>
+              <a:t>Edit Master text styles</a:t>
+            </a:r>
+          </a:p>
+          <a:p>
+            <a:pPr lvl="1"/>
+            <a:r>
+              <a:rPr lang="en-US"/>
+              <a:t>Second level</a:t>
+            </a:r>
+          </a:p>
+          <a:p>
+            <a:pPr lvl="2"/>
+            <a:r>
+              <a:rPr lang="en-US"/>
+              <a:t>Third level</a:t>
+            </a:r>
+          </a:p>
+          <a:p>
+            <a:pPr lvl="3"/>
+            <a:r>
+              <a:rPr lang="en-US"/>
+              <a:t>Fourth level</a:t>
+            </a:r>
+          </a:p>
+          <a:p>
+            <a:pPr lvl="4"/>
+            <a:r>
+              <a:rPr lang="en-US"/>
+              <a:t>Fifth level</a:t>
+            </a:r>
+          </a:p>
+        </p:txBody>
+      </p:sp>
+      <p:sp>
+        <p:nvSpPr>
+          <p:cNvPr id="6" name="Footer Placeholder 5"/>
+          <p:cNvSpPr>
+            <a:spLocks noGrp="1"/>
+          </p:cNvSpPr>
+          <p:nvPr>
+            <p:ph type="ftr" sz="quarter" idx="4"/>
+          </p:nvPr>
+        </p:nvSpPr>
+        <p:spPr>
+          <a:xfrm>
+            <a:off x="0" y="8685213"/>
+            <a:ext cx="2971800" cy="458787"/>
+          </a:xfrm>
+          <a:prstGeom prst="rect">
+            <a:avLst/>
+          </a:prstGeom>
+        </p:spPr>
+        <p:txBody>
+          <a:bodyPr vert="horz" lIns="91440" tIns="45720" rIns="91440" bIns="45720" rtlCol="0" anchor="b"/>
+          <a:lstStyle>
+            <a:lvl1pPr algn="l">
+              <a:defRPr sz="1200"/>
+            </a:lvl1pPr>
+          </a:lstStyle>
+          <a:p>
+            <a:endParaRPr lang="en-US"/>
+          </a:p>
+        </p:txBody>
+      </p:sp>
+      <p:sp>
+        <p:nvSpPr>
+          <p:cNvPr id="7" name="Slide Number Placeholder 6"/>
+          <p:cNvSpPr>
+            <a:spLocks noGrp="1"/>
+          </p:cNvSpPr>
+          <p:nvPr>
+            <p:ph type="sldNum" sz="quarter" idx="5"/>
+          </p:nvPr>
+        </p:nvSpPr>
+        <p:spPr>
+          <a:xfrm>
+            <a:off x="3884613" y="8685213"/>
+            <a:ext cx="2971800" cy="458787"/>
+          </a:xfrm>
+          <a:prstGeom prst="rect">
+            <a:avLst/>
+          </a:prstGeom>
+        </p:spPr>
+        <p:txBody>
+          <a:bodyPr vert="horz" lIns="91440" tIns="45720" rIns="91440" bIns="45720" rtlCol="0" anchor="b"/>
+          <a:lstStyle>
+            <a:lvl1pPr algn="r">
+              <a:defRPr sz="1200"/>
+            </a:lvl1pPr>
+          </a:lstStyle>
+          <a:p>
+            <a:fld id="{10118B08-36D6-41DD-9657-524C4FAE7939}" type="slidenum">
+              <a:rPr lang="en-US" smtClean="0"/>
+              <a:t>‹#›</a:t>
+            </a:fld>
+            <a:endParaRPr lang="en-US"/>
+          </a:p>
+        </p:txBody>
+      </p:sp>
+    </p:spTree>
+    <p:extLst>
+      <p:ext uri="{BB962C8B-B14F-4D97-AF65-F5344CB8AC3E}">
+        <p14:creationId xmlns:p14="http://schemas.microsoft.com/office/powerpoint/2010/main" val="6936257"/>
+      </p:ext>
+    </p:extLst>
+  </p:cSld>
+  <p:clrMap bg1="lt1" tx1="dk1" bg2="lt2" tx2="dk2" accent1="accent1" accent2="accent2" accent3="accent3" accent4="accent4" accent5="accent5" accent6="accent6" hlink="hlink" folHlink="folHlink"/>
+  <p:notesStyle>
+    <a:lvl1pPr marL="0" algn="l" defTabSz="914400" rtl="0" eaLnBrk="1" latinLnBrk="0" hangingPunct="1">
+      <a:defRPr sz="1200" kern="1200">
+        <a:solidFill>
+          <a:schemeClr val="tx1"/>
+        </a:solidFill>
+        <a:latin typeface="+mn-lt"/>
+        <a:ea typeface="+mn-ea"/>
+        <a:cs typeface="+mn-cs"/>
+      </a:defRPr>
+    </a:lvl1pPr>
+    <a:lvl2pPr marL="457200" algn="l" defTabSz="914400" rtl="0" eaLnBrk="1" latinLnBrk="0" hangingPunct="1">
+      <a:defRPr sz="1200" kern="1200">
+        <a:solidFill>
+          <a:schemeClr val="tx1"/>
+        </a:solidFill>
+        <a:latin typeface="+mn-lt"/>
+        <a:ea typeface="+mn-ea"/>
+        <a:cs typeface="+mn-cs"/>
+      </a:defRPr>
+    </a:lvl2pPr>
+    <a:lvl3pPr marL="914400" algn="l" defTabSz="914400" rtl="0" eaLnBrk="1" latinLnBrk="0" hangingPunct="1">
+      <a:defRPr sz="1200" kern="1200">
+        <a:solidFill>
+          <a:schemeClr val="tx1"/>
+        </a:solidFill>
+        <a:latin typeface="+mn-lt"/>
+        <a:ea typeface="+mn-ea"/>
+        <a:cs typeface="+mn-cs"/>
+      </a:defRPr>
+    </a:lvl3pPr>
+    <a:lvl4pPr marL="1371600" algn="l" defTabSz="914400" rtl="0" eaLnBrk="1" latinLnBrk="0" hangingPunct="1">
+      <a:defRPr sz="1200" kern="1200">
+        <a:solidFill>
+          <a:schemeClr val="tx1"/>
+        </a:solidFill>
+        <a:latin typeface="+mn-lt"/>
+        <a:ea typeface="+mn-ea"/>
+        <a:cs typeface="+mn-cs"/>
+      </a:defRPr>
+    </a:lvl4pPr>
+    <a:lvl5pPr marL="1828800" algn="l" defTabSz="914400" rtl="0" eaLnBrk="1" latinLnBrk="0" hangingPunct="1">
+      <a:defRPr sz="1200" kern="1200">
+        <a:solidFill>
+          <a:schemeClr val="tx1"/>
+        </a:solidFill>
+        <a:latin typeface="+mn-lt"/>
+        <a:ea typeface="+mn-ea"/>
+        <a:cs typeface="+mn-cs"/>
+      </a:defRPr>
+    </a:lvl5pPr>
+    <a:lvl6pPr marL="2286000" algn="l" defTabSz="914400" rtl="0" eaLnBrk="1" latinLnBrk="0" hangingPunct="1">
+      <a:defRPr sz="1200" kern="1200">
+        <a:solidFill>
+          <a:schemeClr val="tx1"/>
+        </a:solidFill>
+        <a:latin typeface="+mn-lt"/>
+        <a:ea typeface="+mn-ea"/>
+        <a:cs typeface="+mn-cs"/>
+      </a:defRPr>
+    </a:lvl6pPr>
+    <a:lvl7pPr marL="2743200" algn="l" defTabSz="914400" rtl="0" eaLnBrk="1" latinLnBrk="0" hangingPunct="1">
+      <a:defRPr sz="1200" kern="1200">
+        <a:solidFill>
+          <a:schemeClr val="tx1"/>
+        </a:solidFill>
+        <a:latin typeface="+mn-lt"/>
+        <a:ea typeface="+mn-ea"/>
+        <a:cs typeface="+mn-cs"/>
+      </a:defRPr>
+    </a:lvl7pPr>
+    <a:lvl8pPr marL="3200400" algn="l" defTabSz="914400" rtl="0" eaLnBrk="1" latinLnBrk="0" hangingPunct="1">
+      <a:defRPr sz="1200" kern="1200">
+        <a:solidFill>
+          <a:schemeClr val="tx1"/>
+        </a:solidFill>
+        <a:latin typeface="+mn-lt"/>
+        <a:ea typeface="+mn-ea"/>
+        <a:cs typeface="+mn-cs"/>
+      </a:defRPr>
+    </a:lvl8pPr>
+    <a:lvl9pPr marL="3657600" algn="l" defTabSz="914400" rtl="0" eaLnBrk="1" latinLnBrk="0" hangingPunct="1">
+      <a:defRPr sz="1200" kern="1200">
+        <a:solidFill>
+          <a:schemeClr val="tx1"/>
+        </a:solidFill>
+        <a:latin typeface="+mn-lt"/>
+        <a:ea typeface="+mn-ea"/>
+        <a:cs typeface="+mn-cs"/>
+      </a:defRPr>
+    </a:lvl9pPr>
+  </p:notesStyle>
+</p:notesMaster>
+</file>
+
+<file path=ppt/notesSlides/notesSlide1.xml><?xml version="1.0" encoding="utf-8"?>
+<p:notes xmlns:a="http://schemas.openxmlformats.org/drawingml/2006/main" xmlns:r="http://schemas.openxmlformats.org/officeDocument/2006/relationships" xmlns:p="http://schemas.openxmlformats.org/presentationml/2006/main">
+  <p:cSld>
+    <p:spTree>
+      <p:nvGrpSpPr>
+        <p:cNvPr id="1" name=""/>
+        <p:cNvGrpSpPr/>
+        <p:nvPr/>
+      </p:nvGrpSpPr>
+      <p:grpSpPr>
+        <a:xfrm>
+          <a:off x="0" y="0"/>
+          <a:ext cx="0" cy="0"/>
+          <a:chOff x="0" y="0"/>
+          <a:chExt cx="0" cy="0"/>
+        </a:xfrm>
+      </p:grpSpPr>
+      <p:sp>
+        <p:nvSpPr>
+          <p:cNvPr id="2" name="Slide Image Placeholder 1"/>
+          <p:cNvSpPr>
+            <a:spLocks noGrp="1" noRot="1" noChangeAspect="1"/>
+          </p:cNvSpPr>
+          <p:nvPr>
+            <p:ph type="sldImg"/>
+          </p:nvPr>
+        </p:nvSpPr>
+        <p:spPr/>
+      </p:sp>
+      <p:sp>
+        <p:nvSpPr>
+          <p:cNvPr id="3" name="Notes Placeholder 2"/>
+          <p:cNvSpPr>
+            <a:spLocks noGrp="1"/>
+          </p:cNvSpPr>
+          <p:nvPr>
+            <p:ph type="body" idx="1"/>
+          </p:nvPr>
+        </p:nvSpPr>
+        <p:spPr/>
+        <p:txBody>
+          <a:bodyPr/>
+          <a:lstStyle/>
+          <a:p>
+            <a:endParaRPr lang="en-US" dirty="0"/>
+          </a:p>
+        </p:txBody>
+      </p:sp>
+      <p:sp>
+        <p:nvSpPr>
+          <p:cNvPr id="4" name="Slide Number Placeholder 3"/>
+          <p:cNvSpPr>
+            <a:spLocks noGrp="1"/>
+          </p:cNvSpPr>
+          <p:nvPr>
+            <p:ph type="sldNum" sz="quarter" idx="5"/>
+          </p:nvPr>
+        </p:nvSpPr>
+        <p:spPr/>
+        <p:txBody>
+          <a:bodyPr/>
+          <a:lstStyle/>
+          <a:p>
+            <a:fld id="{10118B08-36D6-41DD-9657-524C4FAE7939}" type="slidenum">
+              <a:rPr lang="en-US" smtClean="0"/>
+              <a:t>1</a:t>
+            </a:fld>
+            <a:endParaRPr lang="en-US"/>
+          </a:p>
+        </p:txBody>
+      </p:sp>
+    </p:spTree>
+    <p:extLst>
+      <p:ext uri="{BB962C8B-B14F-4D97-AF65-F5344CB8AC3E}">
+        <p14:creationId xmlns:p14="http://schemas.microsoft.com/office/powerpoint/2010/main" val="319401243"/>
+      </p:ext>
+    </p:extLst>
+  </p:cSld>
+  <p:clrMapOvr>
+    <a:masterClrMapping/>
+  </p:clrMapOvr>
+</p:notes>
+</file>
+
 <file path=ppt/slideLayouts/slideLayout1.xml><?xml version="1.0" encoding="utf-8"?>
 <p:sldLayout xmlns:a="http://schemas.openxmlformats.org/drawingml/2006/main" xmlns:r="http://schemas.openxmlformats.org/officeDocument/2006/relationships" xmlns:p="http://schemas.openxmlformats.org/presentationml/2006/main" type="title" preserve="1">
   <p:cSld name="Title Slide">
@@ -9047,7 +9484,7 @@
           <a:p>
             <a:fld id="{A2DE0F41-29A9-48B8-AE83-6CBE271AC6FC}" type="datetimeFigureOut">
               <a:rPr lang="en-US" smtClean="0"/>
-              <a:t>12/5/2018</a:t>
+              <a:t>12/8/2018</a:t>
             </a:fld>
             <a:endParaRPr lang="en-US"/>
           </a:p>
@@ -9217,7 +9654,7 @@
           <a:p>
             <a:fld id="{A2DE0F41-29A9-48B8-AE83-6CBE271AC6FC}" type="datetimeFigureOut">
               <a:rPr lang="en-US" smtClean="0"/>
-              <a:t>12/5/2018</a:t>
+              <a:t>12/8/2018</a:t>
             </a:fld>
             <a:endParaRPr lang="en-US"/>
           </a:p>
@@ -9397,7 +9834,7 @@
           <a:p>
             <a:fld id="{A2DE0F41-29A9-48B8-AE83-6CBE271AC6FC}" type="datetimeFigureOut">
               <a:rPr lang="en-US" smtClean="0"/>
-              <a:t>12/5/2018</a:t>
+              <a:t>12/8/2018</a:t>
             </a:fld>
             <a:endParaRPr lang="en-US"/>
           </a:p>
@@ -9567,7 +10004,7 @@
           <a:p>
             <a:fld id="{A2DE0F41-29A9-48B8-AE83-6CBE271AC6FC}" type="datetimeFigureOut">
               <a:rPr lang="en-US" smtClean="0"/>
-              <a:t>12/5/2018</a:t>
+              <a:t>12/8/2018</a:t>
             </a:fld>
             <a:endParaRPr lang="en-US"/>
           </a:p>
@@ -9811,7 +10248,7 @@
           <a:p>
             <a:fld id="{A2DE0F41-29A9-48B8-AE83-6CBE271AC6FC}" type="datetimeFigureOut">
               <a:rPr lang="en-US" smtClean="0"/>
-              <a:t>12/5/2018</a:t>
+              <a:t>12/8/2018</a:t>
             </a:fld>
             <a:endParaRPr lang="en-US"/>
           </a:p>
@@ -10043,7 +10480,7 @@
           <a:p>
             <a:fld id="{A2DE0F41-29A9-48B8-AE83-6CBE271AC6FC}" type="datetimeFigureOut">
               <a:rPr lang="en-US" smtClean="0"/>
-              <a:t>12/5/2018</a:t>
+              <a:t>12/8/2018</a:t>
             </a:fld>
             <a:endParaRPr lang="en-US"/>
           </a:p>
@@ -10410,7 +10847,7 @@
           <a:p>
             <a:fld id="{A2DE0F41-29A9-48B8-AE83-6CBE271AC6FC}" type="datetimeFigureOut">
               <a:rPr lang="en-US" smtClean="0"/>
-              <a:t>12/5/2018</a:t>
+              <a:t>12/8/2018</a:t>
             </a:fld>
             <a:endParaRPr lang="en-US"/>
           </a:p>
@@ -10528,7 +10965,7 @@
           <a:p>
             <a:fld id="{A2DE0F41-29A9-48B8-AE83-6CBE271AC6FC}" type="datetimeFigureOut">
               <a:rPr lang="en-US" smtClean="0"/>
-              <a:t>12/5/2018</a:t>
+              <a:t>12/8/2018</a:t>
             </a:fld>
             <a:endParaRPr lang="en-US"/>
           </a:p>
@@ -10623,7 +11060,7 @@
           <a:p>
             <a:fld id="{A2DE0F41-29A9-48B8-AE83-6CBE271AC6FC}" type="datetimeFigureOut">
               <a:rPr lang="en-US" smtClean="0"/>
-              <a:t>12/5/2018</a:t>
+              <a:t>12/8/2018</a:t>
             </a:fld>
             <a:endParaRPr lang="en-US"/>
           </a:p>
@@ -10900,7 +11337,7 @@
           <a:p>
             <a:fld id="{A2DE0F41-29A9-48B8-AE83-6CBE271AC6FC}" type="datetimeFigureOut">
               <a:rPr lang="en-US" smtClean="0"/>
-              <a:t>12/5/2018</a:t>
+              <a:t>12/8/2018</a:t>
             </a:fld>
             <a:endParaRPr lang="en-US"/>
           </a:p>
@@ -11157,7 +11594,7 @@
           <a:p>
             <a:fld id="{A2DE0F41-29A9-48B8-AE83-6CBE271AC6FC}" type="datetimeFigureOut">
               <a:rPr lang="en-US" smtClean="0"/>
-              <a:t>12/5/2018</a:t>
+              <a:t>12/8/2018</a:t>
             </a:fld>
             <a:endParaRPr lang="en-US"/>
           </a:p>
@@ -11370,7 +11807,7 @@
           <a:p>
             <a:fld id="{A2DE0F41-29A9-48B8-AE83-6CBE271AC6FC}" type="datetimeFigureOut">
               <a:rPr lang="en-US" smtClean="0"/>
-              <a:t>12/5/2018</a:t>
+              <a:t>12/8/2018</a:t>
             </a:fld>
             <a:endParaRPr lang="en-US"/>
           </a:p>
@@ -11812,8 +12249,8 @@
         </p:nvSpPr>
         <p:spPr>
           <a:xfrm>
-            <a:off x="13089638" y="78700"/>
-            <a:ext cx="14871032" cy="5142621"/>
+            <a:off x="11282330" y="191542"/>
+            <a:ext cx="16149670" cy="5142621"/>
           </a:xfrm>
           <a:noFill/>
         </p:spPr>
@@ -11824,7 +12261,10 @@
           <a:lstStyle/>
           <a:p>
             <a:r>
-              <a:rPr lang="en-US" sz="12000" b="1" dirty="0"/>
+              <a:rPr lang="en-US" sz="12000" b="1" dirty="0">
+                <a:latin typeface="Arial" panose="020B0604020202020204" pitchFamily="34" charset="0"/>
+                <a:cs typeface="Arial" panose="020B0604020202020204" pitchFamily="34" charset="0"/>
+              </a:rPr>
               <a:t>Content-based Movie Recommender</a:t>
             </a:r>
           </a:p>
@@ -12238,8 +12678,8 @@
           </p:nvSpPr>
           <p:spPr>
             <a:xfrm>
-              <a:off x="458429" y="17273941"/>
-              <a:ext cx="8055756" cy="648344"/>
+              <a:off x="529000" y="17252411"/>
+              <a:ext cx="8700208" cy="648344"/>
             </a:xfrm>
             <a:prstGeom prst="rect">
               <a:avLst/>
@@ -12273,7 +12713,10 @@
             <a:p>
               <a:pPr algn="ctr"/>
               <a:r>
-                <a:rPr lang="en-US" sz="4800" dirty="0"/>
+                <a:rPr lang="en-US" sz="4800" dirty="0">
+                  <a:latin typeface="Arial" panose="020B0604020202020204" pitchFamily="34" charset="0"/>
+                  <a:cs typeface="Arial" panose="020B0604020202020204" pitchFamily="34" charset="0"/>
+                </a:rPr>
                 <a:t>Algorithms and Measurements</a:t>
               </a:r>
             </a:p>
@@ -12289,7 +12732,7 @@
           <p:nvPr/>
         </p:nvPicPr>
         <p:blipFill>
-          <a:blip r:embed="rId2">
+          <a:blip r:embed="rId3">
             <a:extLst>
               <a:ext uri="{28A0092B-C50C-407E-A947-70E740481C1C}">
                 <a14:useLocalDpi xmlns:a14="http://schemas.microsoft.com/office/drawing/2010/main" val="0"/>
@@ -12302,8 +12745,8 @@
         </p:blipFill>
         <p:spPr>
           <a:xfrm>
-            <a:off x="-154471" y="366296"/>
-            <a:ext cx="13419621" cy="5776404"/>
+            <a:off x="79669" y="367506"/>
+            <a:ext cx="12460049" cy="5776404"/>
           </a:xfrm>
           <a:prstGeom prst="rect">
             <a:avLst/>
@@ -12598,7 +13041,7 @@
           </p:nvSpPr>
           <p:spPr>
             <a:xfrm>
-              <a:off x="648929" y="7765024"/>
+              <a:off x="633567" y="7765149"/>
               <a:ext cx="3775587" cy="597309"/>
             </a:xfrm>
             <a:prstGeom prst="rect">
@@ -12633,7 +13076,10 @@
             <a:p>
               <a:pPr algn="ctr"/>
               <a:r>
-                <a:rPr lang="en-US" sz="4000" dirty="0"/>
+                <a:rPr lang="en-US" sz="4800" dirty="0">
+                  <a:latin typeface="Arial" panose="020B0604020202020204" pitchFamily="34" charset="0"/>
+                  <a:cs typeface="Arial" panose="020B0604020202020204" pitchFamily="34" charset="0"/>
+                </a:rPr>
                 <a:t>Introduction</a:t>
               </a:r>
             </a:p>
@@ -12708,7 +13154,7 @@
                   <a:latin typeface="Times New Roman" panose="02020603050405020304" pitchFamily="18" charset="0"/>
                   <a:cs typeface="Times New Roman" panose="02020603050405020304" pitchFamily="18" charset="0"/>
                 </a:rPr>
-                <a:t>	a) Recommending movies to user based on their personalized preference.</a:t>
+                <a:t>	a) Recommend movies to user based on their 		personalized preference.</a:t>
               </a:r>
             </a:p>
             <a:p>
@@ -12717,7 +13163,7 @@
                   <a:latin typeface="Times New Roman" panose="02020603050405020304" pitchFamily="18" charset="0"/>
                   <a:cs typeface="Times New Roman" panose="02020603050405020304" pitchFamily="18" charset="0"/>
                 </a:rPr>
-                <a:t>	b) Uncovering potential audiences for a new movie advertisement.  </a:t>
+                <a:t>	b) Uncover potential audiences for a new movie 	advertisement.  </a:t>
               </a:r>
             </a:p>
             <a:p>
@@ -12730,7 +13176,7 @@
                   <a:latin typeface="Times New Roman" panose="02020603050405020304" pitchFamily="18" charset="0"/>
                   <a:cs typeface="Times New Roman" panose="02020603050405020304" pitchFamily="18" charset="0"/>
                 </a:rPr>
-                <a:t>	The dataset we are working with is </a:t>
+                <a:t>The dataset we are working with is </a:t>
               </a:r>
               <a:r>
                 <a:rPr lang="en-US" sz="3200" dirty="0" err="1">
@@ -12765,7 +13211,7 @@
         </p:nvSpPr>
         <p:spPr>
           <a:xfrm>
-            <a:off x="16960256" y="5157142"/>
+            <a:off x="15404290" y="5286185"/>
             <a:ext cx="7905750" cy="830997"/>
           </a:xfrm>
           <a:prstGeom prst="rect">
@@ -13110,8 +13556,8 @@
             </p:nvSpPr>
             <p:spPr>
               <a:xfrm>
-                <a:off x="14925122" y="7310227"/>
-                <a:ext cx="9979822" cy="693242"/>
+                <a:off x="14925122" y="7290271"/>
+                <a:ext cx="11271236" cy="986135"/>
               </a:xfrm>
               <a:prstGeom prst="rect">
                 <a:avLst/>
@@ -13145,7 +13591,10 @@
               <a:p>
                 <a:pPr algn="ctr"/>
                 <a:r>
-                  <a:rPr lang="en-US" sz="4800" dirty="0"/>
+                  <a:rPr lang="en-US" sz="4800" dirty="0">
+                    <a:latin typeface="Arial" panose="020B0604020202020204" pitchFamily="34" charset="0"/>
+                    <a:cs typeface="Arial" panose="020B0604020202020204" pitchFamily="34" charset="0"/>
+                  </a:rPr>
                   <a:t>Data Preprocessing and Movie Features</a:t>
                 </a:r>
               </a:p>
@@ -13178,7 +13627,7 @@
                     <a:latin typeface="Times New Roman" panose="02020603050405020304" pitchFamily="18" charset="0"/>
                     <a:cs typeface="Times New Roman" panose="02020603050405020304" pitchFamily="18" charset="0"/>
                   </a:rPr>
-                  <a:t>   	The original dataset contains about 27,000,000 ratings applied to 58,000 movies by 280,000 users. We refine the raw data by eliminating extreme cases (movies and user with tiny amount of records).  After this step ,the dataset contains 16,655 movies, 153,524 users and 26,000,000 ratings. </a:t>
+                  <a:t>   	The original dataset contains about 27,000,000 ratings applied to 58,000 movies by 280,000 users. We refine the raw data by eliminating extreme cases (movies and users with tiny amount of records).  After this step ,the dataset contains 16,655 movies, 153,524 users and 26,000,000 ratings. </a:t>
                 </a:r>
               </a:p>
             </p:txBody>
@@ -13193,7 +13642,7 @@
             <p:nvPr/>
           </p:nvPicPr>
           <p:blipFill>
-            <a:blip r:embed="rId3">
+            <a:blip r:embed="rId4">
               <a:extLst>
                 <a:ext uri="{28A0092B-C50C-407E-A947-70E740481C1C}">
                   <a14:useLocalDpi xmlns:a14="http://schemas.microsoft.com/office/drawing/2010/main" val="0"/>
@@ -13223,7 +13672,7 @@
             <p:nvPr/>
           </p:nvPicPr>
           <p:blipFill>
-            <a:blip r:embed="rId4">
+            <a:blip r:embed="rId5">
               <a:extLst>
                 <a:ext uri="{28A0092B-C50C-407E-A947-70E740481C1C}">
                   <a14:useLocalDpi xmlns:a14="http://schemas.microsoft.com/office/drawing/2010/main" val="0"/>
@@ -13253,7 +13702,7 @@
             <p:nvPr/>
           </p:nvPicPr>
           <p:blipFill>
-            <a:blip r:embed="rId5">
+            <a:blip r:embed="rId6">
               <a:extLst>
                 <a:ext uri="{28A0092B-C50C-407E-A947-70E740481C1C}">
                   <a14:useLocalDpi xmlns:a14="http://schemas.microsoft.com/office/drawing/2010/main" val="0"/>
@@ -13283,10 +13732,10 @@
         </p:nvGrpSpPr>
         <p:grpSpPr>
           <a:xfrm>
-            <a:off x="13890782" y="6963334"/>
-            <a:ext cx="13219036" cy="21197648"/>
-            <a:chOff x="0" y="17249431"/>
-            <a:chExt cx="13037738" cy="7146995"/>
+            <a:off x="13869798" y="6963334"/>
+            <a:ext cx="13240020" cy="18706098"/>
+            <a:chOff x="-20696" y="17249431"/>
+            <a:chExt cx="13058434" cy="7146995"/>
           </a:xfrm>
         </p:grpSpPr>
         <p:sp>
@@ -13297,8 +13746,8 @@
           </p:nvSpPr>
           <p:spPr>
             <a:xfrm>
-              <a:off x="0" y="17249431"/>
-              <a:ext cx="13037738" cy="7146995"/>
+              <a:off x="-20696" y="17249431"/>
+              <a:ext cx="13058434" cy="7146995"/>
             </a:xfrm>
             <a:custGeom>
               <a:avLst/>
@@ -13447,6 +13896,24 @@
                 <a:gd name="connsiteY7" fmla="*/ 6440103 h 7763764"/>
                 <a:gd name="connsiteX8" fmla="*/ 0 w 12742766"/>
                 <a:gd name="connsiteY8" fmla="*/ 1288052 h 7763764"/>
+                <a:gd name="connsiteX0" fmla="*/ 20228 w 12762994"/>
+                <a:gd name="connsiteY0" fmla="*/ 1288052 h 7763764"/>
+                <a:gd name="connsiteX1" fmla="*/ 551962 w 12762994"/>
+                <a:gd name="connsiteY1" fmla="*/ 6024 h 7763764"/>
+                <a:gd name="connsiteX2" fmla="*/ 12080199 w 12762994"/>
+                <a:gd name="connsiteY2" fmla="*/ 0 h 7763764"/>
+                <a:gd name="connsiteX3" fmla="*/ 12762834 w 12762994"/>
+                <a:gd name="connsiteY3" fmla="*/ 1288052 h 7763764"/>
+                <a:gd name="connsiteX4" fmla="*/ 12762834 w 12762994"/>
+                <a:gd name="connsiteY4" fmla="*/ 6440103 h 7763764"/>
+                <a:gd name="connsiteX5" fmla="*/ 11907225 w 12762994"/>
+                <a:gd name="connsiteY5" fmla="*/ 7757652 h 7763764"/>
+                <a:gd name="connsiteX6" fmla="*/ 810210 w 12762994"/>
+                <a:gd name="connsiteY6" fmla="*/ 7763764 h 7763764"/>
+                <a:gd name="connsiteX7" fmla="*/ 20228 w 12762994"/>
+                <a:gd name="connsiteY7" fmla="*/ 6440103 h 7763764"/>
+                <a:gd name="connsiteX8" fmla="*/ 20228 w 12762994"/>
+                <a:gd name="connsiteY8" fmla="*/ 1288052 h 7763764"/>
               </a:gdLst>
               <a:ahLst/>
               <a:cxnLst>
@@ -13480,41 +13947,41 @@
               </a:cxnLst>
               <a:rect l="l" t="t" r="r" b="b"/>
               <a:pathLst>
-                <a:path w="12742766" h="7763764">
+                <a:path w="12762994" h="7763764">
                   <a:moveTo>
-                    <a:pt x="0" y="1288052"/>
+                    <a:pt x="20228" y="1288052"/>
                   </a:moveTo>
                   <a:cubicBezTo>
-                    <a:pt x="0" y="576681"/>
-                    <a:pt x="16242" y="0"/>
-                    <a:pt x="727613" y="0"/>
+                    <a:pt x="20228" y="576681"/>
+                    <a:pt x="-159409" y="6024"/>
+                    <a:pt x="551962" y="6024"/>
                   </a:cubicBezTo>
                   <a:lnTo>
-                    <a:pt x="12059971" y="0"/>
+                    <a:pt x="12080199" y="0"/>
                   </a:lnTo>
                   <a:cubicBezTo>
-                    <a:pt x="12771342" y="0"/>
-                    <a:pt x="12742606" y="576681"/>
-                    <a:pt x="12742606" y="1288052"/>
+                    <a:pt x="12791570" y="0"/>
+                    <a:pt x="12762834" y="576681"/>
+                    <a:pt x="12762834" y="1288052"/>
                   </a:cubicBezTo>
                   <a:lnTo>
-                    <a:pt x="12742606" y="6440103"/>
+                    <a:pt x="12762834" y="6440103"/>
                   </a:lnTo>
                   <a:cubicBezTo>
-                    <a:pt x="12742606" y="7151474"/>
-                    <a:pt x="12598368" y="7757652"/>
-                    <a:pt x="11886997" y="7757652"/>
+                    <a:pt x="12762834" y="7151474"/>
+                    <a:pt x="12618596" y="7757652"/>
+                    <a:pt x="11907225" y="7757652"/>
                   </a:cubicBezTo>
                   <a:lnTo>
-                    <a:pt x="789982" y="7763764"/>
+                    <a:pt x="810210" y="7763764"/>
                   </a:lnTo>
                   <a:cubicBezTo>
-                    <a:pt x="78611" y="7763764"/>
-                    <a:pt x="0" y="7151474"/>
-                    <a:pt x="0" y="6440103"/>
+                    <a:pt x="98839" y="7763764"/>
+                    <a:pt x="20228" y="7151474"/>
+                    <a:pt x="20228" y="6440103"/>
                   </a:cubicBezTo>
                   <a:lnTo>
-                    <a:pt x="0" y="1288052"/>
+                    <a:pt x="20228" y="1288052"/>
                   </a:lnTo>
                   <a:close/>
                 </a:path>
@@ -13563,8 +14030,8 @@
           </p:nvSpPr>
           <p:spPr>
             <a:xfrm>
-              <a:off x="458429" y="17273941"/>
-              <a:ext cx="6452537" cy="328202"/>
+              <a:off x="451720" y="17262254"/>
+              <a:ext cx="8206472" cy="330789"/>
             </a:xfrm>
             <a:prstGeom prst="rect">
               <a:avLst/>
@@ -13598,7 +14065,10 @@
             <a:p>
               <a:pPr algn="ctr"/>
               <a:r>
-                <a:rPr lang="en-US" sz="4000" dirty="0"/>
+                <a:rPr lang="en-US" sz="4800" dirty="0">
+                  <a:latin typeface="Arial" panose="020B0604020202020204" pitchFamily="34" charset="0"/>
+                  <a:cs typeface="Arial" panose="020B0604020202020204" pitchFamily="34" charset="0"/>
+                </a:rPr>
                 <a:t>Parameter tuning and Results</a:t>
               </a:r>
             </a:p>
@@ -13613,10 +14083,10 @@
         </p:nvGrpSpPr>
         <p:grpSpPr>
           <a:xfrm>
-            <a:off x="14006285" y="28297770"/>
-            <a:ext cx="13037738" cy="7883211"/>
+            <a:off x="14120353" y="26184092"/>
+            <a:ext cx="13037738" cy="10330405"/>
             <a:chOff x="0" y="17249431"/>
-            <a:chExt cx="13037738" cy="7146995"/>
+            <a:chExt cx="13037738" cy="9365645"/>
           </a:xfrm>
         </p:grpSpPr>
         <p:sp>
@@ -13628,7 +14098,7 @@
           <p:spPr>
             <a:xfrm>
               <a:off x="0" y="17249431"/>
-              <a:ext cx="13037738" cy="7146995"/>
+              <a:ext cx="13037738" cy="9365645"/>
             </a:xfrm>
             <a:custGeom>
               <a:avLst/>
@@ -13893,8 +14363,8 @@
           </p:nvSpPr>
           <p:spPr>
             <a:xfrm>
-              <a:off x="458429" y="17273941"/>
-              <a:ext cx="6599783" cy="640911"/>
+              <a:off x="458429" y="17273940"/>
+              <a:ext cx="7957136" cy="881361"/>
             </a:xfrm>
             <a:prstGeom prst="rect">
               <a:avLst/>
@@ -13928,7 +14398,10 @@
             <a:p>
               <a:pPr algn="ctr"/>
               <a:r>
-                <a:rPr lang="en-US" sz="4000" dirty="0"/>
+                <a:rPr lang="en-US" sz="4800" dirty="0">
+                  <a:latin typeface="Arial" panose="020B0604020202020204" pitchFamily="34" charset="0"/>
+                  <a:cs typeface="Arial" panose="020B0604020202020204" pitchFamily="34" charset="0"/>
+                </a:rPr>
                 <a:t>Discussion and Future Work</a:t>
               </a:r>
             </a:p>
@@ -13950,7 +14423,7 @@
           <p:nvPr/>
         </p:nvPicPr>
         <p:blipFill>
-          <a:blip r:embed="rId6" cstate="print">
+          <a:blip r:embed="rId7" cstate="print">
             <a:extLst>
               <a:ext uri="{28A0092B-C50C-407E-A947-70E740481C1C}">
                 <a14:useLocalDpi xmlns:a14="http://schemas.microsoft.com/office/drawing/2010/main" val="0"/>
@@ -14022,7 +14495,7 @@
                 <a:latin typeface="Times New Roman" panose="02020603050405020304" pitchFamily="18" charset="0"/>
                 <a:cs typeface="Times New Roman" panose="02020603050405020304" pitchFamily="18" charset="0"/>
               </a:rPr>
-              <a:t> is a measure of similarity between two non-zero vectors of an inner product space that measures the cosine of the angle between them.” “ It is a judgment of orientation.”*</a:t>
+              <a:t> is a measure of similarity between two non-zero vectors of an inner product space that measures the cosine of the angle between them.”*</a:t>
             </a:r>
           </a:p>
         </p:txBody>
@@ -14042,15 +14515,15 @@
           <p:nvPr/>
         </p:nvPicPr>
         <p:blipFill>
-          <a:blip r:embed="rId7"/>
+          <a:blip r:embed="rId8"/>
           <a:stretch>
             <a:fillRect/>
           </a:stretch>
         </p:blipFill>
         <p:spPr>
           <a:xfrm>
-            <a:off x="3585661" y="28684380"/>
-            <a:ext cx="6316022" cy="1204521"/>
+            <a:off x="3251199" y="28789335"/>
+            <a:ext cx="6734629" cy="1386408"/>
           </a:xfrm>
           <a:prstGeom prst="rect">
             <a:avLst/>
@@ -14071,7 +14544,7 @@
         </p:nvSpPr>
         <p:spPr>
           <a:xfrm>
-            <a:off x="570425" y="30072639"/>
+            <a:off x="570425" y="30320289"/>
             <a:ext cx="12871302" cy="1569660"/>
           </a:xfrm>
           <a:prstGeom prst="rect">
@@ -14101,68 +14574,8 @@
                 <a:latin typeface="Times New Roman" panose="02020603050405020304" pitchFamily="18" charset="0"/>
                 <a:cs typeface="Times New Roman" panose="02020603050405020304" pitchFamily="18" charset="0"/>
               </a:rPr>
-              <a:t>It is “a non-parametric method used for classification and regression. The “input consists of the k closest training examples in the feature space.”*</a:t>
+              <a:t>It is “a non-parametric method used for classification and regression. The “input consists of the k-closest training examples in the feature space.”*</a:t>
             </a:r>
-          </a:p>
-        </p:txBody>
-      </p:sp>
-      <p:sp>
-        <p:nvSpPr>
-          <p:cNvPr id="40" name="TextBox 39">
-            <a:extLst>
-              <a:ext uri="{FF2B5EF4-FFF2-40B4-BE49-F238E27FC236}">
-                <a16:creationId xmlns:a16="http://schemas.microsoft.com/office/drawing/2014/main" id="{DDA92839-501D-4E42-8E5A-AFFFBE5E3687}"/>
-              </a:ext>
-            </a:extLst>
-          </p:cNvPr>
-          <p:cNvSpPr txBox="1"/>
-          <p:nvPr/>
-        </p:nvSpPr>
-        <p:spPr>
-          <a:xfrm>
-            <a:off x="570425" y="31742657"/>
-            <a:ext cx="7555210" cy="584775"/>
-          </a:xfrm>
-          <a:prstGeom prst="rect">
-            <a:avLst/>
-          </a:prstGeom>
-          <a:noFill/>
-        </p:spPr>
-        <p:txBody>
-          <a:bodyPr wrap="none" rtlCol="0">
-            <a:spAutoFit/>
-          </a:bodyPr>
-          <a:lstStyle/>
-          <a:p>
-            <a:pPr marL="457200" indent="-457200">
-              <a:buFont typeface="Wingdings" panose="05000000000000000000" pitchFamily="2" charset="2"/>
-              <a:buChar char="q"/>
-            </a:pPr>
-            <a:r>
-              <a:rPr lang="en-US" sz="3200" b="1" dirty="0">
-                <a:latin typeface="Times New Roman" panose="02020603050405020304" pitchFamily="18" charset="0"/>
-                <a:cs typeface="Times New Roman" panose="02020603050405020304" pitchFamily="18" charset="0"/>
-              </a:rPr>
-              <a:t>User Preference and Movie</a:t>
-            </a:r>
-            <a:r>
-              <a:rPr lang="en-US" sz="3200" dirty="0">
-                <a:latin typeface="Times New Roman" panose="02020603050405020304" pitchFamily="18" charset="0"/>
-                <a:cs typeface="Times New Roman" panose="02020603050405020304" pitchFamily="18" charset="0"/>
-              </a:rPr>
-              <a:t> </a:t>
-            </a:r>
-            <a:r>
-              <a:rPr lang="en-US" sz="3200" b="1" dirty="0">
-                <a:latin typeface="Times New Roman" panose="02020603050405020304" pitchFamily="18" charset="0"/>
-                <a:cs typeface="Times New Roman" panose="02020603050405020304" pitchFamily="18" charset="0"/>
-              </a:rPr>
-              <a:t>Popularity. </a:t>
-            </a:r>
-            <a:endParaRPr lang="en-US" sz="3200" dirty="0">
-              <a:latin typeface="Times New Roman" panose="02020603050405020304" pitchFamily="18" charset="0"/>
-              <a:cs typeface="Times New Roman" panose="02020603050405020304" pitchFamily="18" charset="0"/>
-            </a:endParaRPr>
           </a:p>
         </p:txBody>
       </p:sp>
@@ -14180,8 +14593,8 @@
         </p:nvSpPr>
         <p:spPr>
           <a:xfrm>
-            <a:off x="626473" y="32711200"/>
-            <a:ext cx="12790336" cy="2062103"/>
+            <a:off x="575673" y="32482600"/>
+            <a:ext cx="12790336" cy="3046988"/>
           </a:xfrm>
           <a:prstGeom prst="rect">
             <a:avLst/>
@@ -14203,15 +14616,57 @@
                 <a:latin typeface="Times New Roman" panose="02020603050405020304" pitchFamily="18" charset="0"/>
                 <a:cs typeface="Times New Roman" panose="02020603050405020304" pitchFamily="18" charset="0"/>
               </a:rPr>
-              <a:t>Precision and Recall. “</a:t>
+              <a:t>Precision and Recall. </a:t>
+            </a:r>
+          </a:p>
+          <a:p>
+            <a:r>
+              <a:rPr lang="en-US" sz="3200" b="1" dirty="0">
+                <a:latin typeface="Times New Roman" panose="02020603050405020304" pitchFamily="18" charset="0"/>
+                <a:cs typeface="Times New Roman" panose="02020603050405020304" pitchFamily="18" charset="0"/>
+              </a:rPr>
+              <a:t>		Precision</a:t>
             </a:r>
             <a:r>
               <a:rPr lang="en-US" sz="3200" dirty="0">
                 <a:latin typeface="Times New Roman" panose="02020603050405020304" pitchFamily="18" charset="0"/>
                 <a:cs typeface="Times New Roman" panose="02020603050405020304" pitchFamily="18" charset="0"/>
               </a:rPr>
-              <a:t>Precision (also called positive predictive value) is the fraction of relevant instances among the retrieved instances, while recall (also known as sensitivity) is the fraction of relevant instances that have been retrieved over the total amount of relevant instances.”*</a:t>
+              <a:t> is the fraction of relevant instances among the retrieved instances.</a:t>
             </a:r>
+          </a:p>
+          <a:p>
+            <a:r>
+              <a:rPr lang="en-US" sz="3200" dirty="0">
+                <a:latin typeface="Times New Roman" panose="02020603050405020304" pitchFamily="18" charset="0"/>
+                <a:cs typeface="Times New Roman" panose="02020603050405020304" pitchFamily="18" charset="0"/>
+              </a:rPr>
+              <a:t>		</a:t>
+            </a:r>
+            <a:r>
+              <a:rPr lang="en-US" sz="3200" b="1" dirty="0">
+                <a:latin typeface="Times New Roman" panose="02020603050405020304" pitchFamily="18" charset="0"/>
+                <a:cs typeface="Times New Roman" panose="02020603050405020304" pitchFamily="18" charset="0"/>
+              </a:rPr>
+              <a:t>Recall</a:t>
+            </a:r>
+            <a:r>
+              <a:rPr lang="en-US" sz="3200" dirty="0">
+                <a:latin typeface="Times New Roman" panose="02020603050405020304" pitchFamily="18" charset="0"/>
+                <a:cs typeface="Times New Roman" panose="02020603050405020304" pitchFamily="18" charset="0"/>
+              </a:rPr>
+              <a:t> is the fraction of relevant instances that have been retrieved over the total amount of relevant instances.</a:t>
+            </a:r>
+          </a:p>
+          <a:p>
+            <a:pPr marL="914400" lvl="1" indent="-457200">
+              <a:buFont typeface="Wingdings" panose="05000000000000000000" pitchFamily="2" charset="2"/>
+              <a:buChar char="q"/>
+            </a:pPr>
+            <a:endParaRPr lang="en-US" sz="3200" dirty="0">
+              <a:latin typeface="Times New Roman" panose="02020603050405020304" pitchFamily="18" charset="0"/>
+              <a:cs typeface="Times New Roman" panose="02020603050405020304" pitchFamily="18" charset="0"/>
+            </a:endParaRPr>
           </a:p>
         </p:txBody>
       </p:sp>
@@ -14229,7 +14684,7 @@
         </p:nvSpPr>
         <p:spPr>
           <a:xfrm>
-            <a:off x="14006286" y="8387026"/>
+            <a:off x="13864834" y="8117469"/>
             <a:ext cx="13037738" cy="1077218"/>
           </a:xfrm>
           <a:prstGeom prst="rect">
@@ -14252,12 +14707,11 @@
               <a:t>Part A</a:t>
             </a:r>
             <a:r>
-              <a:rPr lang="en-US" sz="3200" b="1" dirty="0"/>
-              <a:t>. </a:t>
-            </a:r>
-            <a:r>
-              <a:rPr lang="en-US" sz="3200" dirty="0"/>
-              <a:t>Uncovering potential watchers. Choose k nearest neighbors, based on movie-movie Cosine similarity.</a:t>
+              <a:rPr lang="en-US" sz="3200" dirty="0">
+                <a:latin typeface="Times New Roman" panose="02020603050405020304" pitchFamily="18" charset="0"/>
+                <a:cs typeface="Times New Roman" panose="02020603050405020304" pitchFamily="18" charset="0"/>
+              </a:rPr>
+              <a:t>. Uncover potential watchers. Choose k nearest neighbors, based on movie-movie Cosine similarity.</a:t>
             </a:r>
           </a:p>
         </p:txBody>
@@ -14277,18 +14731,18 @@
           <p:nvPr>
             <p:extLst>
               <p:ext uri="{D42A27DB-BD31-4B8C-83A1-F6EECF244321}">
-                <p14:modId xmlns:p14="http://schemas.microsoft.com/office/powerpoint/2010/main" val="1550219803"/>
+                <p14:modId xmlns:p14="http://schemas.microsoft.com/office/powerpoint/2010/main" val="1336783607"/>
               </p:ext>
             </p:extLst>
           </p:nvPr>
         </p:nvGraphicFramePr>
         <p:xfrm>
-          <a:off x="14944642" y="9643321"/>
-          <a:ext cx="4899349" cy="3087788"/>
+          <a:off x="14687550" y="9643321"/>
+          <a:ext cx="5156441" cy="3087788"/>
         </p:xfrm>
         <a:graphic>
           <a:graphicData uri="http://schemas.openxmlformats.org/drawingml/2006/chart">
-            <c:chart xmlns:c="http://schemas.openxmlformats.org/drawingml/2006/chart" xmlns:r="http://schemas.openxmlformats.org/officeDocument/2006/relationships" r:id="rId8"/>
+            <c:chart xmlns:c="http://schemas.openxmlformats.org/drawingml/2006/chart" xmlns:r="http://schemas.openxmlformats.org/officeDocument/2006/relationships" r:id="rId9"/>
           </a:graphicData>
         </a:graphic>
       </p:graphicFrame>
@@ -14307,18 +14761,18 @@
           <p:nvPr>
             <p:extLst>
               <p:ext uri="{D42A27DB-BD31-4B8C-83A1-F6EECF244321}">
-                <p14:modId xmlns:p14="http://schemas.microsoft.com/office/powerpoint/2010/main" val="1529031590"/>
+                <p14:modId xmlns:p14="http://schemas.microsoft.com/office/powerpoint/2010/main" val="2412081461"/>
               </p:ext>
             </p:extLst>
           </p:nvPr>
         </p:nvGraphicFramePr>
         <p:xfrm>
-          <a:off x="20897850" y="9808832"/>
-          <a:ext cx="4572000" cy="2743200"/>
+          <a:off x="20793983" y="9611696"/>
+          <a:ext cx="4649162" cy="3130140"/>
         </p:xfrm>
         <a:graphic>
           <a:graphicData uri="http://schemas.openxmlformats.org/drawingml/2006/chart">
-            <c:chart xmlns:c="http://schemas.openxmlformats.org/drawingml/2006/chart" xmlns:r="http://schemas.openxmlformats.org/officeDocument/2006/relationships" r:id="rId9"/>
+            <c:chart xmlns:c="http://schemas.openxmlformats.org/drawingml/2006/chart" xmlns:r="http://schemas.openxmlformats.org/officeDocument/2006/relationships" r:id="rId10"/>
           </a:graphicData>
         </a:graphic>
       </p:graphicFrame>
@@ -14336,7 +14790,7 @@
         </p:nvSpPr>
         <p:spPr>
           <a:xfrm>
-            <a:off x="13930265" y="12896620"/>
+            <a:off x="13932929" y="12905863"/>
             <a:ext cx="13113758" cy="2062103"/>
           </a:xfrm>
           <a:prstGeom prst="rect">
@@ -14356,17 +14810,23 @@
             </a:pPr>
             <a:r>
               <a:rPr lang="en-US" sz="3200" b="1" i="1" dirty="0"/>
-              <a:t>Part B. </a:t>
+              <a:t>Part B</a:t>
             </a:r>
             <a:r>
-              <a:rPr lang="en-US" sz="3200" dirty="0"/>
-              <a:t>Recommend movies to the user based on the watching history. </a:t>
+              <a:rPr lang="en-US" sz="3200" dirty="0">
+                <a:latin typeface="Times New Roman" panose="02020603050405020304" pitchFamily="18" charset="0"/>
+                <a:cs typeface="Times New Roman" panose="02020603050405020304" pitchFamily="18" charset="0"/>
+              </a:rPr>
+              <a:t>. Recommend movies to the user based on the watching history. </a:t>
             </a:r>
           </a:p>
           <a:p>
             <a:r>
-              <a:rPr lang="en-US" sz="3200" dirty="0"/>
-              <a:t>Choose the movies with higher ratings from the list, find similar unwatched movies by KNN, rank the list by movies popularities, and then generate the recommendation list.</a:t>
+              <a:rPr lang="en-US" sz="3200" dirty="0">
+                <a:latin typeface="Times New Roman" panose="02020603050405020304" pitchFamily="18" charset="0"/>
+                <a:cs typeface="Times New Roman" panose="02020603050405020304" pitchFamily="18" charset="0"/>
+              </a:rPr>
+              <a:t>	Choose the movies with higher ratings from the list, find similar unwatched 	movies by KNN, rank the list by movies’ popularity, and then generate the 	recommendation list.</a:t>
             </a:r>
           </a:p>
         </p:txBody>
@@ -14386,18 +14846,18 @@
           <p:nvPr>
             <p:extLst>
               <p:ext uri="{D42A27DB-BD31-4B8C-83A1-F6EECF244321}">
-                <p14:modId xmlns:p14="http://schemas.microsoft.com/office/powerpoint/2010/main" val="2118866676"/>
+                <p14:modId xmlns:p14="http://schemas.microsoft.com/office/powerpoint/2010/main" val="1451858465"/>
               </p:ext>
             </p:extLst>
           </p:nvPr>
         </p:nvGraphicFramePr>
         <p:xfrm>
-          <a:off x="14687550" y="15131993"/>
-          <a:ext cx="4903626" cy="3022719"/>
+          <a:off x="14687549" y="15131993"/>
+          <a:ext cx="5156442" cy="3022719"/>
         </p:xfrm>
         <a:graphic>
           <a:graphicData uri="http://schemas.openxmlformats.org/drawingml/2006/chart">
-            <c:chart xmlns:c="http://schemas.openxmlformats.org/drawingml/2006/chart" xmlns:r="http://schemas.openxmlformats.org/officeDocument/2006/relationships" r:id="rId10"/>
+            <c:chart xmlns:c="http://schemas.openxmlformats.org/drawingml/2006/chart" xmlns:r="http://schemas.openxmlformats.org/officeDocument/2006/relationships" r:id="rId11"/>
           </a:graphicData>
         </a:graphic>
       </p:graphicFrame>
@@ -14416,18 +14876,18 @@
           <p:nvPr>
             <p:extLst>
               <p:ext uri="{D42A27DB-BD31-4B8C-83A1-F6EECF244321}">
-                <p14:modId xmlns:p14="http://schemas.microsoft.com/office/powerpoint/2010/main" val="4092811650"/>
+                <p14:modId xmlns:p14="http://schemas.microsoft.com/office/powerpoint/2010/main" val="3240008653"/>
               </p:ext>
             </p:extLst>
           </p:nvPr>
         </p:nvGraphicFramePr>
         <p:xfrm>
-          <a:off x="20913131" y="15131994"/>
-          <a:ext cx="4572000" cy="2743200"/>
+          <a:off x="20793983" y="14985757"/>
+          <a:ext cx="4649162" cy="3168955"/>
         </p:xfrm>
         <a:graphic>
           <a:graphicData uri="http://schemas.openxmlformats.org/drawingml/2006/chart">
-            <c:chart xmlns:c="http://schemas.openxmlformats.org/drawingml/2006/chart" xmlns:r="http://schemas.openxmlformats.org/officeDocument/2006/relationships" r:id="rId11"/>
+            <c:chart xmlns:c="http://schemas.openxmlformats.org/drawingml/2006/chart" xmlns:r="http://schemas.openxmlformats.org/officeDocument/2006/relationships" r:id="rId12"/>
           </a:graphicData>
         </a:graphic>
       </p:graphicFrame>
@@ -14446,18 +14906,18 @@
           <p:nvPr>
             <p:extLst>
               <p:ext uri="{D42A27DB-BD31-4B8C-83A1-F6EECF244321}">
-                <p14:modId xmlns:p14="http://schemas.microsoft.com/office/powerpoint/2010/main" val="1832591237"/>
+                <p14:modId xmlns:p14="http://schemas.microsoft.com/office/powerpoint/2010/main" val="1084060818"/>
               </p:ext>
             </p:extLst>
           </p:nvPr>
         </p:nvGraphicFramePr>
         <p:xfrm>
-          <a:off x="15019176" y="18291500"/>
-          <a:ext cx="4572000" cy="2743200"/>
+          <a:off x="14687549" y="18695342"/>
+          <a:ext cx="5156442" cy="2778070"/>
         </p:xfrm>
         <a:graphic>
           <a:graphicData uri="http://schemas.openxmlformats.org/drawingml/2006/chart">
-            <c:chart xmlns:c="http://schemas.openxmlformats.org/drawingml/2006/chart" xmlns:r="http://schemas.openxmlformats.org/officeDocument/2006/relationships" r:id="rId12"/>
+            <c:chart xmlns:c="http://schemas.openxmlformats.org/drawingml/2006/chart" xmlns:r="http://schemas.openxmlformats.org/officeDocument/2006/relationships" r:id="rId13"/>
           </a:graphicData>
         </a:graphic>
       </p:graphicFrame>
@@ -14476,18 +14936,18 @@
           <p:nvPr>
             <p:extLst>
               <p:ext uri="{D42A27DB-BD31-4B8C-83A1-F6EECF244321}">
-                <p14:modId xmlns:p14="http://schemas.microsoft.com/office/powerpoint/2010/main" val="182500049"/>
+                <p14:modId xmlns:p14="http://schemas.microsoft.com/office/powerpoint/2010/main" val="3007889760"/>
               </p:ext>
             </p:extLst>
           </p:nvPr>
         </p:nvGraphicFramePr>
         <p:xfrm>
-          <a:off x="21064497" y="18291500"/>
-          <a:ext cx="4572000" cy="2743200"/>
+          <a:off x="20793983" y="18695342"/>
+          <a:ext cx="4649162" cy="2778070"/>
         </p:xfrm>
         <a:graphic>
           <a:graphicData uri="http://schemas.openxmlformats.org/drawingml/2006/chart">
-            <c:chart xmlns:c="http://schemas.openxmlformats.org/drawingml/2006/chart" xmlns:r="http://schemas.openxmlformats.org/officeDocument/2006/relationships" r:id="rId13"/>
+            <c:chart xmlns:c="http://schemas.openxmlformats.org/drawingml/2006/chart" xmlns:r="http://schemas.openxmlformats.org/officeDocument/2006/relationships" r:id="rId14"/>
           </a:graphicData>
         </a:graphic>
       </p:graphicFrame>
@@ -14506,18 +14966,18 @@
           <p:nvPr>
             <p:extLst>
               <p:ext uri="{D42A27DB-BD31-4B8C-83A1-F6EECF244321}">
-                <p14:modId xmlns:p14="http://schemas.microsoft.com/office/powerpoint/2010/main" val="2622599199"/>
+                <p14:modId xmlns:p14="http://schemas.microsoft.com/office/powerpoint/2010/main" val="3124743713"/>
               </p:ext>
             </p:extLst>
           </p:nvPr>
         </p:nvGraphicFramePr>
         <p:xfrm>
-          <a:off x="14687550" y="22086179"/>
-          <a:ext cx="5187434" cy="3344027"/>
+          <a:off x="14687549" y="22014042"/>
+          <a:ext cx="5156442" cy="3344027"/>
         </p:xfrm>
         <a:graphic>
           <a:graphicData uri="http://schemas.openxmlformats.org/drawingml/2006/chart">
-            <c:chart xmlns:c="http://schemas.openxmlformats.org/drawingml/2006/chart" xmlns:r="http://schemas.openxmlformats.org/officeDocument/2006/relationships" r:id="rId14"/>
+            <c:chart xmlns:c="http://schemas.openxmlformats.org/drawingml/2006/chart" xmlns:r="http://schemas.openxmlformats.org/officeDocument/2006/relationships" r:id="rId15"/>
           </a:graphicData>
         </a:graphic>
       </p:graphicFrame>
@@ -14536,18 +14996,18 @@
           <p:nvPr>
             <p:extLst>
               <p:ext uri="{D42A27DB-BD31-4B8C-83A1-F6EECF244321}">
-                <p14:modId xmlns:p14="http://schemas.microsoft.com/office/powerpoint/2010/main" val="332658881"/>
+                <p14:modId xmlns:p14="http://schemas.microsoft.com/office/powerpoint/2010/main" val="242278980"/>
               </p:ext>
             </p:extLst>
           </p:nvPr>
         </p:nvGraphicFramePr>
         <p:xfrm>
-          <a:off x="20493914" y="22086179"/>
-          <a:ext cx="5509335" cy="3230125"/>
+          <a:off x="20793984" y="22014043"/>
+          <a:ext cx="4649161" cy="3344026"/>
         </p:xfrm>
         <a:graphic>
           <a:graphicData uri="http://schemas.openxmlformats.org/drawingml/2006/chart">
-            <c:chart xmlns:c="http://schemas.openxmlformats.org/drawingml/2006/chart" xmlns:r="http://schemas.openxmlformats.org/officeDocument/2006/relationships" r:id="rId15"/>
+            <c:chart xmlns:c="http://schemas.openxmlformats.org/drawingml/2006/chart" xmlns:r="http://schemas.openxmlformats.org/officeDocument/2006/relationships" r:id="rId16"/>
           </a:graphicData>
         </a:graphic>
       </p:graphicFrame>
@@ -14565,8 +15025,8 @@
         </p:nvSpPr>
         <p:spPr>
           <a:xfrm>
-            <a:off x="14006285" y="29296956"/>
-            <a:ext cx="12994241" cy="2554545"/>
+            <a:off x="14072080" y="27316559"/>
+            <a:ext cx="12476304" cy="3046988"/>
           </a:xfrm>
           <a:prstGeom prst="rect">
             <a:avLst/>
@@ -14588,8 +15048,18 @@
                 <a:latin typeface="Times New Roman" panose="02020603050405020304" pitchFamily="18" charset="0"/>
                 <a:cs typeface="Times New Roman" panose="02020603050405020304" pitchFamily="18" charset="0"/>
               </a:rPr>
-              <a:t>Popularity is important for this recommender system.</a:t>
+              <a:t>Popularity is important for this recommendation system.</a:t>
             </a:r>
+          </a:p>
+          <a:p>
+            <a:pPr marL="457200" indent="-457200">
+              <a:buFont typeface="Wingdings" panose="05000000000000000000" pitchFamily="2" charset="2"/>
+              <a:buChar char="q"/>
+            </a:pPr>
+            <a:endParaRPr lang="en-US" sz="3200" dirty="0">
+              <a:latin typeface="Times New Roman" panose="02020603050405020304" pitchFamily="18" charset="0"/>
+              <a:cs typeface="Times New Roman" panose="02020603050405020304" pitchFamily="18" charset="0"/>
+            </a:endParaRPr>
           </a:p>
           <a:p>
             <a:pPr marL="457200" indent="-457200">
@@ -14620,8 +15090,8 @@
         </p:nvSpPr>
         <p:spPr>
           <a:xfrm>
-            <a:off x="707085" y="35197302"/>
-            <a:ext cx="3169650" cy="584775"/>
+            <a:off x="1078187" y="35735852"/>
+            <a:ext cx="2794355" cy="523220"/>
           </a:xfrm>
           <a:prstGeom prst="rect">
             <a:avLst/>
@@ -14635,7 +15105,7 @@
           <a:lstStyle/>
           <a:p>
             <a:r>
-              <a:rPr lang="en-US" sz="3200" dirty="0">
+              <a:rPr lang="en-US" sz="2800" dirty="0">
                 <a:latin typeface="Times New Roman" panose="02020603050405020304" pitchFamily="18" charset="0"/>
                 <a:cs typeface="Times New Roman" panose="02020603050405020304" pitchFamily="18" charset="0"/>
               </a:rPr>
@@ -14659,7 +15129,7 @@
           <p:nvPr/>
         </p:nvPicPr>
         <p:blipFill>
-          <a:blip r:embed="rId16" cstate="print">
+          <a:blip r:embed="rId17" cstate="print">
             <a:extLst>
               <a:ext uri="{28A0092B-C50C-407E-A947-70E740481C1C}">
                 <a14:useLocalDpi xmlns:a14="http://schemas.microsoft.com/office/drawing/2010/main" val="0"/>
@@ -14672,7 +15142,7 @@
         </p:blipFill>
         <p:spPr>
           <a:xfrm>
-            <a:off x="22842821" y="31695894"/>
+            <a:off x="22908616" y="30780556"/>
             <a:ext cx="3993956" cy="3827541"/>
           </a:xfrm>
           <a:prstGeom prst="rect">
@@ -14694,8 +15164,8 @@
         </p:nvSpPr>
         <p:spPr>
           <a:xfrm>
-            <a:off x="14006285" y="31695894"/>
-            <a:ext cx="9007903" cy="4308872"/>
+            <a:off x="14110661" y="30679777"/>
+            <a:ext cx="9007903" cy="4801314"/>
           </a:xfrm>
           <a:prstGeom prst="rect">
             <a:avLst/>
@@ -14717,8 +15187,18 @@
                 <a:latin typeface="Times New Roman" panose="02020603050405020304" pitchFamily="18" charset="0"/>
                 <a:cs typeface="Times New Roman" panose="02020603050405020304" pitchFamily="18" charset="0"/>
               </a:rPr>
-              <a:t>Some users have very short watching lists. Some movies have very few watchers. Both distributions have long tails. This can partially explain our big standard errors.</a:t>
+              <a:t>Some users have very short watching lists and some movies have very few watchers. Both distributions have long tails. This can partially explain our big standard errors.</a:t>
             </a:r>
+          </a:p>
+          <a:p>
+            <a:pPr marL="457200" indent="-457200">
+              <a:buFont typeface="Wingdings" panose="05000000000000000000" pitchFamily="2" charset="2"/>
+              <a:buChar char="q"/>
+            </a:pPr>
+            <a:endParaRPr lang="en-US" sz="3200" dirty="0">
+              <a:latin typeface="Times New Roman" panose="02020603050405020304" pitchFamily="18" charset="0"/>
+              <a:cs typeface="Times New Roman" panose="02020603050405020304" pitchFamily="18" charset="0"/>
+            </a:endParaRPr>
           </a:p>
           <a:p>
             <a:pPr marL="457200" indent="-457200">
@@ -14738,10 +15218,177 @@
           </a:p>
         </p:txBody>
       </p:sp>
+      <p:grpSp>
+        <p:nvGrpSpPr>
+          <p:cNvPr id="55" name="Group 54"/>
+          <p:cNvGrpSpPr/>
+          <p:nvPr/>
+        </p:nvGrpSpPr>
+        <p:grpSpPr>
+          <a:xfrm>
+            <a:off x="1711828" y="18158122"/>
+            <a:ext cx="4891984" cy="3042429"/>
+            <a:chOff x="1981200" y="18809931"/>
+            <a:chExt cx="4399202" cy="2603980"/>
+          </a:xfrm>
+        </p:grpSpPr>
+        <p:pic>
+          <p:nvPicPr>
+            <p:cNvPr id="56" name="Picture 55"/>
+            <p:cNvPicPr>
+              <a:picLocks noChangeAspect="1"/>
+            </p:cNvPicPr>
+            <p:nvPr/>
+          </p:nvPicPr>
+          <p:blipFill>
+            <a:blip r:embed="rId18">
+              <a:extLst>
+                <a:ext uri="{28A0092B-C50C-407E-A947-70E740481C1C}">
+                  <a14:useLocalDpi xmlns:a14="http://schemas.microsoft.com/office/drawing/2010/main" val="0"/>
+                </a:ext>
+              </a:extLst>
+            </a:blip>
+            <a:stretch>
+              <a:fillRect/>
+            </a:stretch>
+          </p:blipFill>
+          <p:spPr>
+            <a:xfrm>
+              <a:off x="1981200" y="18809931"/>
+              <a:ext cx="4399202" cy="2283815"/>
+            </a:xfrm>
+            <a:prstGeom prst="rect">
+              <a:avLst/>
+            </a:prstGeom>
+            <a:ln>
+              <a:noFill/>
+            </a:ln>
+            <a:effectLst>
+              <a:outerShdw blurRad="292100" dist="139700" dir="2700000" algn="tl" rotWithShape="0">
+                <a:srgbClr val="333333">
+                  <a:alpha val="65000"/>
+                </a:srgbClr>
+              </a:outerShdw>
+            </a:effectLst>
+          </p:spPr>
+        </p:pic>
+        <p:sp>
+          <p:nvSpPr>
+            <p:cNvPr id="57" name="TextBox 56"/>
+            <p:cNvSpPr txBox="1"/>
+            <p:nvPr/>
+          </p:nvSpPr>
+          <p:spPr>
+            <a:xfrm>
+              <a:off x="2954058" y="21071461"/>
+              <a:ext cx="2136461" cy="342450"/>
+            </a:xfrm>
+            <a:prstGeom prst="rect">
+              <a:avLst/>
+            </a:prstGeom>
+            <a:noFill/>
+          </p:spPr>
+          <p:txBody>
+            <a:bodyPr wrap="none" rtlCol="0">
+              <a:spAutoFit/>
+            </a:bodyPr>
+            <a:lstStyle/>
+            <a:p>
+              <a:r>
+                <a:rPr lang="en-US" sz="2000" dirty="0">
+                  <a:latin typeface="Calibri" panose="020F0502020204030204" pitchFamily="34" charset="0"/>
+                  <a:cs typeface="Calibri" panose="020F0502020204030204" pitchFamily="34" charset="0"/>
+                </a:rPr>
+                <a:t>word cloud of genres</a:t>
+              </a:r>
+            </a:p>
+          </p:txBody>
+        </p:sp>
+      </p:grpSp>
     </p:spTree>
     <p:extLst>
       <p:ext uri="{BB962C8B-B14F-4D97-AF65-F5344CB8AC3E}">
         <p14:creationId xmlns:p14="http://schemas.microsoft.com/office/powerpoint/2010/main" val="1081600068"/>
+      </p:ext>
+    </p:extLst>
+  </p:cSld>
+  <p:clrMapOvr>
+    <a:masterClrMapping/>
+  </p:clrMapOvr>
+</p:sld>
+</file>
+
+<file path=ppt/slides/slide2.xml><?xml version="1.0" encoding="utf-8"?>
+<p:sld xmlns:a="http://schemas.openxmlformats.org/drawingml/2006/main" xmlns:r="http://schemas.openxmlformats.org/officeDocument/2006/relationships" xmlns:p="http://schemas.openxmlformats.org/presentationml/2006/main">
+  <p:cSld>
+    <p:spTree>
+      <p:nvGrpSpPr>
+        <p:cNvPr id="1" name=""/>
+        <p:cNvGrpSpPr/>
+        <p:nvPr/>
+      </p:nvGrpSpPr>
+      <p:grpSpPr>
+        <a:xfrm>
+          <a:off x="0" y="0"/>
+          <a:ext cx="0" cy="0"/>
+          <a:chOff x="0" y="0"/>
+          <a:chExt cx="0" cy="0"/>
+        </a:xfrm>
+      </p:grpSpPr>
+      <p:sp>
+        <p:nvSpPr>
+          <p:cNvPr id="2" name="Title 1">
+            <a:extLst>
+              <a:ext uri="{FF2B5EF4-FFF2-40B4-BE49-F238E27FC236}">
+                <a16:creationId xmlns:a16="http://schemas.microsoft.com/office/drawing/2014/main" id="{C77FCA03-C9F5-4014-B209-B39BACA98E40}"/>
+              </a:ext>
+            </a:extLst>
+          </p:cNvPr>
+          <p:cNvSpPr>
+            <a:spLocks noGrp="1"/>
+          </p:cNvSpPr>
+          <p:nvPr>
+            <p:ph type="title"/>
+          </p:nvPr>
+        </p:nvSpPr>
+        <p:spPr/>
+        <p:txBody>
+          <a:bodyPr/>
+          <a:lstStyle/>
+          <a:p>
+            <a:endParaRPr lang="en-US"/>
+          </a:p>
+        </p:txBody>
+      </p:sp>
+      <p:sp>
+        <p:nvSpPr>
+          <p:cNvPr id="3" name="Content Placeholder 2">
+            <a:extLst>
+              <a:ext uri="{FF2B5EF4-FFF2-40B4-BE49-F238E27FC236}">
+                <a16:creationId xmlns:a16="http://schemas.microsoft.com/office/drawing/2014/main" id="{A3EC02CD-427D-4405-90DF-8DCFEDC80A4A}"/>
+              </a:ext>
+            </a:extLst>
+          </p:cNvPr>
+          <p:cNvSpPr>
+            <a:spLocks noGrp="1"/>
+          </p:cNvSpPr>
+          <p:nvPr>
+            <p:ph idx="1"/>
+          </p:nvPr>
+        </p:nvSpPr>
+        <p:spPr/>
+        <p:txBody>
+          <a:bodyPr/>
+          <a:lstStyle/>
+          <a:p>
+            <a:endParaRPr lang="en-US"/>
+          </a:p>
+        </p:txBody>
+      </p:sp>
+    </p:spTree>
+    <p:extLst>
+      <p:ext uri="{BB962C8B-B14F-4D97-AF65-F5344CB8AC3E}">
+        <p14:creationId xmlns:p14="http://schemas.microsoft.com/office/powerpoint/2010/main" val="2217276904"/>
       </p:ext>
     </p:extLst>
   </p:cSld>
@@ -15010,4 +15657,299 @@
     </a:ext>
   </a:extLst>
 </a:theme>
+</file>
+
+<file path=ppt/theme/theme2.xml><?xml version="1.0" encoding="utf-8"?>
+<a:theme xmlns:a="http://schemas.openxmlformats.org/drawingml/2006/main" name="Office Theme">
+  <a:themeElements>
+    <a:clrScheme name="Office">
+      <a:dk1>
+        <a:sysClr val="windowText" lastClr="000000"/>
+      </a:dk1>
+      <a:lt1>
+        <a:sysClr val="window" lastClr="FFFFFF"/>
+      </a:lt1>
+      <a:dk2>
+        <a:srgbClr val="44546A"/>
+      </a:dk2>
+      <a:lt2>
+        <a:srgbClr val="E7E6E6"/>
+      </a:lt2>
+      <a:accent1>
+        <a:srgbClr val="4472C4"/>
+      </a:accent1>
+      <a:accent2>
+        <a:srgbClr val="ED7D31"/>
+      </a:accent2>
+      <a:accent3>
+        <a:srgbClr val="A5A5A5"/>
+      </a:accent3>
+      <a:accent4>
+        <a:srgbClr val="FFC000"/>
+      </a:accent4>
+      <a:accent5>
+        <a:srgbClr val="5B9BD5"/>
+      </a:accent5>
+      <a:accent6>
+        <a:srgbClr val="70AD47"/>
+      </a:accent6>
+      <a:hlink>
+        <a:srgbClr val="0563C1"/>
+      </a:hlink>
+      <a:folHlink>
+        <a:srgbClr val="954F72"/>
+      </a:folHlink>
+    </a:clrScheme>
+    <a:fontScheme name="Office">
+      <a:majorFont>
+        <a:latin typeface="Calibri Light" panose="020F0302020204030204"/>
+        <a:ea typeface=""/>
+        <a:cs typeface=""/>
+        <a:font script="Jpan" typeface="游ゴシック Light"/>
+        <a:font script="Hang" typeface="맑은 고딕"/>
+        <a:font script="Hans" typeface="等线 Light"/>
+        <a:font script="Hant" typeface="新細明體"/>
+        <a:font script="Arab" typeface="Times New Roman"/>
+        <a:font script="Hebr" typeface="Times New Roman"/>
+        <a:font script="Thai" typeface="Angsana New"/>
+        <a:font script="Ethi" typeface="Nyala"/>
+        <a:font script="Beng" typeface="Vrinda"/>
+        <a:font script="Gujr" typeface="Shruti"/>
+        <a:font script="Khmr" typeface="MoolBoran"/>
+        <a:font script="Knda" typeface="Tunga"/>
+        <a:font script="Guru" typeface="Raavi"/>
+        <a:font script="Cans" typeface="Euphemia"/>
+        <a:font script="Cher" typeface="Plantagenet Cherokee"/>
+        <a:font script="Yiii" typeface="Microsoft Yi Baiti"/>
+        <a:font script="Tibt" typeface="Microsoft Himalaya"/>
+        <a:font script="Thaa" typeface="MV Boli"/>
+        <a:font script="Deva" typeface="Mangal"/>
+        <a:font script="Telu" typeface="Gautami"/>
+        <a:font script="Taml" typeface="Latha"/>
+        <a:font script="Syrc" typeface="Estrangelo Edessa"/>
+        <a:font script="Orya" typeface="Kalinga"/>
+        <a:font script="Mlym" typeface="Kartika"/>
+        <a:font script="Laoo" typeface="DokChampa"/>
+        <a:font script="Sinh" typeface="Iskoola Pota"/>
+        <a:font script="Mong" typeface="Mongolian Baiti"/>
+        <a:font script="Viet" typeface="Times New Roman"/>
+        <a:font script="Uigh" typeface="Microsoft Uighur"/>
+        <a:font script="Geor" typeface="Sylfaen"/>
+        <a:font script="Armn" typeface="Arial"/>
+        <a:font script="Bugi" typeface="Leelawadee UI"/>
+        <a:font script="Bopo" typeface="Microsoft JhengHei"/>
+        <a:font script="Java" typeface="Javanese Text"/>
+        <a:font script="Lisu" typeface="Segoe UI"/>
+        <a:font script="Mymr" typeface="Myanmar Text"/>
+        <a:font script="Nkoo" typeface="Ebrima"/>
+        <a:font script="Olck" typeface="Nirmala UI"/>
+        <a:font script="Osma" typeface="Ebrima"/>
+        <a:font script="Phag" typeface="Phagspa"/>
+        <a:font script="Syrn" typeface="Estrangelo Edessa"/>
+        <a:font script="Syrj" typeface="Estrangelo Edessa"/>
+        <a:font script="Syre" typeface="Estrangelo Edessa"/>
+        <a:font script="Sora" typeface="Nirmala UI"/>
+        <a:font script="Tale" typeface="Microsoft Tai Le"/>
+        <a:font script="Talu" typeface="Microsoft New Tai Lue"/>
+        <a:font script="Tfng" typeface="Ebrima"/>
+      </a:majorFont>
+      <a:minorFont>
+        <a:latin typeface="Calibri" panose="020F0502020204030204"/>
+        <a:ea typeface=""/>
+        <a:cs typeface=""/>
+        <a:font script="Jpan" typeface="游ゴシック"/>
+        <a:font script="Hang" typeface="맑은 고딕"/>
+        <a:font script="Hans" typeface="等线"/>
+        <a:font script="Hant" typeface="新細明體"/>
+        <a:font script="Arab" typeface="Arial"/>
+        <a:font script="Hebr" typeface="Arial"/>
+        <a:font script="Thai" typeface="Cordia New"/>
+        <a:font script="Ethi" typeface="Nyala"/>
+        <a:font script="Beng" typeface="Vrinda"/>
+        <a:font script="Gujr" typeface="Shruti"/>
+        <a:font script="Khmr" typeface="DaunPenh"/>
+        <a:font script="Knda" typeface="Tunga"/>
+        <a:font script="Guru" typeface="Raavi"/>
+        <a:font script="Cans" typeface="Euphemia"/>
+        <a:font script="Cher" typeface="Plantagenet Cherokee"/>
+        <a:font script="Yiii" typeface="Microsoft Yi Baiti"/>
+        <a:font script="Tibt" typeface="Microsoft Himalaya"/>
+        <a:font script="Thaa" typeface="MV Boli"/>
+        <a:font script="Deva" typeface="Mangal"/>
+        <a:font script="Telu" typeface="Gautami"/>
+        <a:font script="Taml" typeface="Latha"/>
+        <a:font script="Syrc" typeface="Estrangelo Edessa"/>
+        <a:font script="Orya" typeface="Kalinga"/>
+        <a:font script="Mlym" typeface="Kartika"/>
+        <a:font script="Laoo" typeface="DokChampa"/>
+        <a:font script="Sinh" typeface="Iskoola Pota"/>
+        <a:font script="Mong" typeface="Mongolian Baiti"/>
+        <a:font script="Viet" typeface="Arial"/>
+        <a:font script="Uigh" typeface="Microsoft Uighur"/>
+        <a:font script="Geor" typeface="Sylfaen"/>
+        <a:font script="Armn" typeface="Arial"/>
+        <a:font script="Bugi" typeface="Leelawadee UI"/>
+        <a:font script="Bopo" typeface="Microsoft JhengHei"/>
+        <a:font script="Java" typeface="Javanese Text"/>
+        <a:font script="Lisu" typeface="Segoe UI"/>
+        <a:font script="Mymr" typeface="Myanmar Text"/>
+        <a:font script="Nkoo" typeface="Ebrima"/>
+        <a:font script="Olck" typeface="Nirmala UI"/>
+        <a:font script="Osma" typeface="Ebrima"/>
+        <a:font script="Phag" typeface="Phagspa"/>
+        <a:font script="Syrn" typeface="Estrangelo Edessa"/>
+        <a:font script="Syrj" typeface="Estrangelo Edessa"/>
+        <a:font script="Syre" typeface="Estrangelo Edessa"/>
+        <a:font script="Sora" typeface="Nirmala UI"/>
+        <a:font script="Tale" typeface="Microsoft Tai Le"/>
+        <a:font script="Talu" typeface="Microsoft New Tai Lue"/>
+        <a:font script="Tfng" typeface="Ebrima"/>
+      </a:minorFont>
+    </a:fontScheme>
+    <a:fmtScheme name="Office">
+      <a:fillStyleLst>
+        <a:solidFill>
+          <a:schemeClr val="phClr"/>
+        </a:solidFill>
+        <a:gradFill rotWithShape="1">
+          <a:gsLst>
+            <a:gs pos="0">
+              <a:schemeClr val="phClr">
+                <a:lumMod val="110000"/>
+                <a:satMod val="105000"/>
+                <a:tint val="67000"/>
+              </a:schemeClr>
+            </a:gs>
+            <a:gs pos="50000">
+              <a:schemeClr val="phClr">
+                <a:lumMod val="105000"/>
+                <a:satMod val="103000"/>
+                <a:tint val="73000"/>
+              </a:schemeClr>
+            </a:gs>
+            <a:gs pos="100000">
+              <a:schemeClr val="phClr">
+                <a:lumMod val="105000"/>
+                <a:satMod val="109000"/>
+                <a:tint val="81000"/>
+              </a:schemeClr>
+            </a:gs>
+          </a:gsLst>
+          <a:lin ang="5400000" scaled="0"/>
+        </a:gradFill>
+        <a:gradFill rotWithShape="1">
+          <a:gsLst>
+            <a:gs pos="0">
+              <a:schemeClr val="phClr">
+                <a:satMod val="103000"/>
+                <a:lumMod val="102000"/>
+                <a:tint val="94000"/>
+              </a:schemeClr>
+            </a:gs>
+            <a:gs pos="50000">
+              <a:schemeClr val="phClr">
+                <a:satMod val="110000"/>
+                <a:lumMod val="100000"/>
+                <a:shade val="100000"/>
+              </a:schemeClr>
+            </a:gs>
+            <a:gs pos="100000">
+              <a:schemeClr val="phClr">
+                <a:lumMod val="99000"/>
+                <a:satMod val="120000"/>
+                <a:shade val="78000"/>
+              </a:schemeClr>
+            </a:gs>
+          </a:gsLst>
+          <a:lin ang="5400000" scaled="0"/>
+        </a:gradFill>
+      </a:fillStyleLst>
+      <a:lnStyleLst>
+        <a:ln w="6350" cap="flat" cmpd="sng" algn="ctr">
+          <a:solidFill>
+            <a:schemeClr val="phClr"/>
+          </a:solidFill>
+          <a:prstDash val="solid"/>
+          <a:miter lim="800000"/>
+        </a:ln>
+        <a:ln w="12700" cap="flat" cmpd="sng" algn="ctr">
+          <a:solidFill>
+            <a:schemeClr val="phClr"/>
+          </a:solidFill>
+          <a:prstDash val="solid"/>
+          <a:miter lim="800000"/>
+        </a:ln>
+        <a:ln w="19050" cap="flat" cmpd="sng" algn="ctr">
+          <a:solidFill>
+            <a:schemeClr val="phClr"/>
+          </a:solidFill>
+          <a:prstDash val="solid"/>
+          <a:miter lim="800000"/>
+        </a:ln>
+      </a:lnStyleLst>
+      <a:effectStyleLst>
+        <a:effectStyle>
+          <a:effectLst/>
+        </a:effectStyle>
+        <a:effectStyle>
+          <a:effectLst/>
+        </a:effectStyle>
+        <a:effectStyle>
+          <a:effectLst>
+            <a:outerShdw blurRad="57150" dist="19050" dir="5400000" algn="ctr" rotWithShape="0">
+              <a:srgbClr val="000000">
+                <a:alpha val="63000"/>
+              </a:srgbClr>
+            </a:outerShdw>
+          </a:effectLst>
+        </a:effectStyle>
+      </a:effectStyleLst>
+      <a:bgFillStyleLst>
+        <a:solidFill>
+          <a:schemeClr val="phClr"/>
+        </a:solidFill>
+        <a:solidFill>
+          <a:schemeClr val="phClr">
+            <a:tint val="95000"/>
+            <a:satMod val="170000"/>
+          </a:schemeClr>
+        </a:solidFill>
+        <a:gradFill rotWithShape="1">
+          <a:gsLst>
+            <a:gs pos="0">
+              <a:schemeClr val="phClr">
+                <a:tint val="93000"/>
+                <a:satMod val="150000"/>
+                <a:shade val="98000"/>
+                <a:lumMod val="102000"/>
+              </a:schemeClr>
+            </a:gs>
+            <a:gs pos="50000">
+              <a:schemeClr val="phClr">
+                <a:tint val="98000"/>
+                <a:satMod val="130000"/>
+                <a:shade val="90000"/>
+                <a:lumMod val="103000"/>
+              </a:schemeClr>
+            </a:gs>
+            <a:gs pos="100000">
+              <a:schemeClr val="phClr">
+                <a:shade val="63000"/>
+                <a:satMod val="120000"/>
+              </a:schemeClr>
+            </a:gs>
+          </a:gsLst>
+          <a:lin ang="5400000" scaled="0"/>
+        </a:gradFill>
+      </a:bgFillStyleLst>
+    </a:fmtScheme>
+  </a:themeElements>
+  <a:objectDefaults/>
+  <a:extraClrSchemeLst/>
+  <a:extLst>
+    <a:ext uri="{05A4C25C-085E-4340-85A3-A5531E510DB2}">
+      <thm15:themeFamily xmlns:thm15="http://schemas.microsoft.com/office/thememl/2012/main" name="Office Theme" id="{62F939B6-93AF-4DB8-9C6B-D6C7DFDC589F}" vid="{4A3C46E8-61CC-4603-A589-7422A47A8E4A}"/>
+    </a:ext>
+  </a:extLst>
+</a:theme>
 </file>